--- a/stable.pptx
+++ b/stable.pptx
@@ -17,10 +17,10 @@
     <p:sldId id="293" r:id="rId5"/>
     <p:sldId id="301" r:id="rId6"/>
     <p:sldId id="304" r:id="rId7"/>
-    <p:sldId id="299" r:id="rId8"/>
-    <p:sldId id="303" r:id="rId9"/>
-    <p:sldId id="300" r:id="rId10"/>
-    <p:sldId id="297" r:id="rId11"/>
+    <p:sldId id="300" r:id="rId8"/>
+    <p:sldId id="297" r:id="rId9"/>
+    <p:sldId id="299" r:id="rId10"/>
+    <p:sldId id="303" r:id="rId11"/>
     <p:sldId id="295" r:id="rId12"/>
   </p:sldIdLst>
   <p:sldSz cx="12192000" cy="6858000"/>
@@ -2883,9 +2883,93 @@
   <p:timing>
     <p:tnLst>
       <p:par>
-        <p:cTn id="1" dur="indefinite" restart="never" nodeType="tmRoot"/>
+        <p:cTn id="1" dur="indefinite" restart="never" nodeType="tmRoot">
+          <p:childTnLst>
+            <p:seq concurrent="1" nextAc="seek">
+              <p:cTn id="2" dur="indefinite" nodeType="mainSeq">
+                <p:childTnLst>
+                  <p:par>
+                    <p:cTn id="3" fill="hold">
+                      <p:stCondLst>
+                        <p:cond delay="indefinite"/>
+                      </p:stCondLst>
+                      <p:childTnLst>
+                        <p:par>
+                          <p:cTn id="4" fill="hold">
+                            <p:stCondLst>
+                              <p:cond delay="0"/>
+                            </p:stCondLst>
+                            <p:childTnLst>
+                              <p:par>
+                                <p:cTn id="5" presetID="10" presetClass="entr" presetSubtype="0" fill="hold" grpId="0" nodeType="clickEffect" nodePh="1">
+                                  <p:stCondLst>
+                                    <p:cond delay="0"/>
+                                  </p:stCondLst>
+                                  <p:endCondLst>
+                                    <p:cond evt="begin" delay="0">
+                                      <p:tn val="5"/>
+                                    </p:cond>
+                                  </p:endCondLst>
+                                  <p:childTnLst>
+                                    <p:set>
+                                      <p:cBhvr>
+                                        <p:cTn id="6" dur="1" fill="hold">
+                                          <p:stCondLst>
+                                            <p:cond delay="0"/>
+                                          </p:stCondLst>
+                                        </p:cTn>
+                                        <p:tgtEl>
+                                          <p:spTgt spid="5"/>
+                                        </p:tgtEl>
+                                        <p:attrNameLst>
+                                          <p:attrName>style.visibility</p:attrName>
+                                        </p:attrNameLst>
+                                      </p:cBhvr>
+                                      <p:to>
+                                        <p:strVal val="visible"/>
+                                      </p:to>
+                                    </p:set>
+                                    <p:animEffect transition="in" filter="fade">
+                                      <p:cBhvr>
+                                        <p:cTn id="7" dur="1000"/>
+                                        <p:tgtEl>
+                                          <p:spTgt spid="5"/>
+                                        </p:tgtEl>
+                                      </p:cBhvr>
+                                    </p:animEffect>
+                                  </p:childTnLst>
+                                </p:cTn>
+                              </p:par>
+                            </p:childTnLst>
+                          </p:cTn>
+                        </p:par>
+                      </p:childTnLst>
+                    </p:cTn>
+                  </p:par>
+                </p:childTnLst>
+              </p:cTn>
+              <p:prevCondLst>
+                <p:cond evt="onPrev" delay="0">
+                  <p:tgtEl>
+                    <p:sldTgt/>
+                  </p:tgtEl>
+                </p:cond>
+              </p:prevCondLst>
+              <p:nextCondLst>
+                <p:cond evt="onNext" delay="0">
+                  <p:tgtEl>
+                    <p:sldTgt/>
+                  </p:tgtEl>
+                </p:cond>
+              </p:nextCondLst>
+            </p:seq>
+          </p:childTnLst>
+        </p:cTn>
       </p:par>
     </p:tnLst>
+    <p:bldLst>
+      <p:bldP spid="5" grpId="0"/>
+    </p:bldLst>
   </p:timing>
 </p:sld>
 </file>
@@ -2915,7 +2999,7 @@
         </p:nvSpPr>
         <p:spPr>
           <a:xfrm>
-            <a:off x="0" y="-4695"/>
+            <a:off x="-55267" y="0"/>
             <a:ext cx="12192000" cy="6858000"/>
           </a:xfrm>
           <a:prstGeom prst="rect">
@@ -3031,7 +3115,435 @@
       </p:cxnSp>
       <p:sp>
         <p:nvSpPr>
-          <p:cNvPr id="7" name="テキスト ボックス 6">
+          <p:cNvPr id="19" name="正方形/長方形 18">
+            <a:extLst>
+              <a:ext uri="{FF2B5EF4-FFF2-40B4-BE49-F238E27FC236}">
+                <a16:creationId xmlns:a16="http://schemas.microsoft.com/office/drawing/2014/main" id="{11F7E950-0EED-4F8C-8026-1867F6678569}"/>
+              </a:ext>
+            </a:extLst>
+          </p:cNvPr>
+          <p:cNvSpPr/>
+          <p:nvPr/>
+        </p:nvSpPr>
+        <p:spPr>
+          <a:xfrm>
+            <a:off x="3463047" y="1308676"/>
+            <a:ext cx="7425447" cy="1142695"/>
+          </a:xfrm>
+          <a:prstGeom prst="rect">
+            <a:avLst/>
+          </a:prstGeom>
+          <a:solidFill>
+            <a:schemeClr val="bg1"/>
+          </a:solidFill>
+          <a:ln w="19050">
+            <a:solidFill>
+              <a:srgbClr val="D29839"/>
+            </a:solidFill>
+          </a:ln>
+        </p:spPr>
+        <p:style>
+          <a:lnRef idx="2">
+            <a:schemeClr val="accent1">
+              <a:shade val="50000"/>
+            </a:schemeClr>
+          </a:lnRef>
+          <a:fillRef idx="1">
+            <a:schemeClr val="accent1"/>
+          </a:fillRef>
+          <a:effectRef idx="0">
+            <a:schemeClr val="accent1"/>
+          </a:effectRef>
+          <a:fontRef idx="minor">
+            <a:schemeClr val="lt1"/>
+          </a:fontRef>
+        </p:style>
+        <p:txBody>
+          <a:bodyPr rtlCol="0" anchor="ctr"/>
+          <a:lstStyle/>
+          <a:p>
+            <a:pPr algn="ctr"/>
+            <a:r>
+              <a:rPr lang="ja-JP" altLang="en-US" sz="3600" dirty="0" smtClean="0">
+                <a:solidFill>
+                  <a:srgbClr val="4C464C"/>
+                </a:solidFill>
+                <a:latin typeface="HGSｺﾞｼｯｸE" panose="020B0900000000000000" pitchFamily="50" charset="-128"/>
+                <a:ea typeface="HGSｺﾞｼｯｸE" panose="020B0900000000000000" pitchFamily="50" charset="-128"/>
+              </a:rPr>
+              <a:t>文字</a:t>
+            </a:r>
+            <a:r>
+              <a:rPr lang="ja-JP" altLang="en-US" sz="3600" dirty="0" smtClean="0">
+                <a:solidFill>
+                  <a:srgbClr val="4C464C"/>
+                </a:solidFill>
+                <a:latin typeface="HGSｺﾞｼｯｸE" panose="020B0900000000000000" pitchFamily="50" charset="-128"/>
+                <a:ea typeface="HGSｺﾞｼｯｸE" panose="020B0900000000000000" pitchFamily="50" charset="-128"/>
+              </a:rPr>
+              <a:t>起こし（ログ）機能</a:t>
+            </a:r>
+            <a:endParaRPr lang="ja-JP" altLang="en-US" sz="3600" dirty="0">
+              <a:solidFill>
+                <a:srgbClr val="4C464C"/>
+              </a:solidFill>
+              <a:latin typeface="HGSｺﾞｼｯｸE" panose="020B0900000000000000" pitchFamily="50" charset="-128"/>
+              <a:ea typeface="HGSｺﾞｼｯｸE" panose="020B0900000000000000" pitchFamily="50" charset="-128"/>
+            </a:endParaRPr>
+          </a:p>
+        </p:txBody>
+      </p:sp>
+      <p:sp>
+        <p:nvSpPr>
+          <p:cNvPr id="20" name="正方形/長方形 19">
+            <a:extLst>
+              <a:ext uri="{FF2B5EF4-FFF2-40B4-BE49-F238E27FC236}">
+                <a16:creationId xmlns:a16="http://schemas.microsoft.com/office/drawing/2014/main" id="{B4684C53-8171-4C96-8FA4-37F56591AC93}"/>
+              </a:ext>
+            </a:extLst>
+          </p:cNvPr>
+          <p:cNvSpPr/>
+          <p:nvPr/>
+        </p:nvSpPr>
+        <p:spPr>
+          <a:xfrm>
+            <a:off x="1191492" y="1312138"/>
+            <a:ext cx="2271556" cy="1139233"/>
+          </a:xfrm>
+          <a:prstGeom prst="rect">
+            <a:avLst/>
+          </a:prstGeom>
+          <a:solidFill>
+            <a:schemeClr val="accent2"/>
+          </a:solidFill>
+          <a:ln w="19050">
+            <a:solidFill>
+              <a:srgbClr val="D29839"/>
+            </a:solidFill>
+          </a:ln>
+        </p:spPr>
+        <p:style>
+          <a:lnRef idx="2">
+            <a:schemeClr val="accent1">
+              <a:shade val="50000"/>
+            </a:schemeClr>
+          </a:lnRef>
+          <a:fillRef idx="1">
+            <a:schemeClr val="accent1"/>
+          </a:fillRef>
+          <a:effectRef idx="0">
+            <a:schemeClr val="accent1"/>
+          </a:effectRef>
+          <a:fontRef idx="minor">
+            <a:schemeClr val="lt1"/>
+          </a:fontRef>
+        </p:style>
+        <p:txBody>
+          <a:bodyPr rtlCol="0" anchor="ctr"/>
+          <a:lstStyle/>
+          <a:p>
+            <a:pPr algn="ctr"/>
+            <a:r>
+              <a:rPr lang="en-US" altLang="ja-JP" sz="3600" b="1" dirty="0">
+                <a:solidFill>
+                  <a:schemeClr val="bg1"/>
+                </a:solidFill>
+              </a:rPr>
+              <a:t>1</a:t>
+            </a:r>
+            <a:endParaRPr kumimoji="1" lang="ja-JP" altLang="en-US" sz="3600" b="1" dirty="0">
+              <a:solidFill>
+                <a:schemeClr val="bg1"/>
+              </a:solidFill>
+            </a:endParaRPr>
+          </a:p>
+        </p:txBody>
+      </p:sp>
+      <p:sp>
+        <p:nvSpPr>
+          <p:cNvPr id="21" name="正方形/長方形 20">
+            <a:extLst>
+              <a:ext uri="{FF2B5EF4-FFF2-40B4-BE49-F238E27FC236}">
+                <a16:creationId xmlns:a16="http://schemas.microsoft.com/office/drawing/2014/main" id="{02DF2E1C-683B-4962-93F7-A494354880FD}"/>
+              </a:ext>
+            </a:extLst>
+          </p:cNvPr>
+          <p:cNvSpPr/>
+          <p:nvPr/>
+        </p:nvSpPr>
+        <p:spPr>
+          <a:xfrm>
+            <a:off x="3463046" y="3010193"/>
+            <a:ext cx="7425447" cy="1130103"/>
+          </a:xfrm>
+          <a:prstGeom prst="rect">
+            <a:avLst/>
+          </a:prstGeom>
+          <a:solidFill>
+            <a:schemeClr val="bg1"/>
+          </a:solidFill>
+          <a:ln w="19050">
+            <a:solidFill>
+              <a:srgbClr val="D29839"/>
+            </a:solidFill>
+          </a:ln>
+        </p:spPr>
+        <p:style>
+          <a:lnRef idx="2">
+            <a:schemeClr val="accent1">
+              <a:shade val="50000"/>
+            </a:schemeClr>
+          </a:lnRef>
+          <a:fillRef idx="1">
+            <a:schemeClr val="accent1"/>
+          </a:fillRef>
+          <a:effectRef idx="0">
+            <a:schemeClr val="accent1"/>
+          </a:effectRef>
+          <a:fontRef idx="minor">
+            <a:schemeClr val="lt1"/>
+          </a:fontRef>
+        </p:style>
+        <p:txBody>
+          <a:bodyPr rtlCol="0" anchor="ctr"/>
+          <a:lstStyle/>
+          <a:p>
+            <a:pPr algn="ctr"/>
+            <a:r>
+              <a:rPr lang="ja-JP" altLang="en-US" sz="3600" dirty="0">
+                <a:solidFill>
+                  <a:srgbClr val="4C464C"/>
+                </a:solidFill>
+                <a:latin typeface="HGSｺﾞｼｯｸE" panose="020B0900000000000000" pitchFamily="50" charset="-128"/>
+                <a:ea typeface="HGSｺﾞｼｯｸE" panose="020B0900000000000000" pitchFamily="50" charset="-128"/>
+              </a:rPr>
+              <a:t>翻訳</a:t>
+            </a:r>
+            <a:r>
+              <a:rPr kumimoji="1" lang="ja-JP" altLang="en-US" sz="3600" dirty="0" smtClean="0">
+                <a:solidFill>
+                  <a:srgbClr val="4C464C"/>
+                </a:solidFill>
+                <a:latin typeface="HGSｺﾞｼｯｸE" panose="020B0900000000000000" pitchFamily="50" charset="-128"/>
+                <a:ea typeface="HGSｺﾞｼｯｸE" panose="020B0900000000000000" pitchFamily="50" charset="-128"/>
+              </a:rPr>
+              <a:t>機能</a:t>
+            </a:r>
+            <a:endParaRPr kumimoji="1" lang="ja-JP" altLang="en-US" sz="3600" dirty="0">
+              <a:solidFill>
+                <a:srgbClr val="4C464C"/>
+              </a:solidFill>
+              <a:latin typeface="HGSｺﾞｼｯｸE" panose="020B0900000000000000" pitchFamily="50" charset="-128"/>
+              <a:ea typeface="HGSｺﾞｼｯｸE" panose="020B0900000000000000" pitchFamily="50" charset="-128"/>
+            </a:endParaRPr>
+          </a:p>
+        </p:txBody>
+      </p:sp>
+      <p:sp>
+        <p:nvSpPr>
+          <p:cNvPr id="22" name="正方形/長方形 21">
+            <a:extLst>
+              <a:ext uri="{FF2B5EF4-FFF2-40B4-BE49-F238E27FC236}">
+                <a16:creationId xmlns:a16="http://schemas.microsoft.com/office/drawing/2014/main" id="{5D591065-8569-4289-9286-AF02A2E53E83}"/>
+              </a:ext>
+            </a:extLst>
+          </p:cNvPr>
+          <p:cNvSpPr/>
+          <p:nvPr/>
+        </p:nvSpPr>
+        <p:spPr>
+          <a:xfrm>
+            <a:off x="1191491" y="3010195"/>
+            <a:ext cx="2271555" cy="1130102"/>
+          </a:xfrm>
+          <a:prstGeom prst="rect">
+            <a:avLst/>
+          </a:prstGeom>
+          <a:solidFill>
+            <a:schemeClr val="accent2"/>
+          </a:solidFill>
+          <a:ln w="19050">
+            <a:solidFill>
+              <a:srgbClr val="D29839"/>
+            </a:solidFill>
+          </a:ln>
+        </p:spPr>
+        <p:style>
+          <a:lnRef idx="2">
+            <a:schemeClr val="accent1">
+              <a:shade val="50000"/>
+            </a:schemeClr>
+          </a:lnRef>
+          <a:fillRef idx="1">
+            <a:schemeClr val="accent1"/>
+          </a:fillRef>
+          <a:effectRef idx="0">
+            <a:schemeClr val="accent1"/>
+          </a:effectRef>
+          <a:fontRef idx="minor">
+            <a:schemeClr val="lt1"/>
+          </a:fontRef>
+        </p:style>
+        <p:txBody>
+          <a:bodyPr rtlCol="0" anchor="ctr"/>
+          <a:lstStyle/>
+          <a:p>
+            <a:pPr algn="ctr"/>
+            <a:r>
+              <a:rPr lang="en-US" altLang="ja-JP" sz="3600" b="1" dirty="0">
+                <a:solidFill>
+                  <a:schemeClr val="bg1"/>
+                </a:solidFill>
+              </a:rPr>
+              <a:t>2</a:t>
+            </a:r>
+            <a:endParaRPr kumimoji="1" lang="ja-JP" altLang="en-US" sz="3600" b="1" dirty="0">
+              <a:solidFill>
+                <a:schemeClr val="bg1"/>
+              </a:solidFill>
+            </a:endParaRPr>
+          </a:p>
+        </p:txBody>
+      </p:sp>
+      <p:sp>
+        <p:nvSpPr>
+          <p:cNvPr id="23" name="正方形/長方形 22">
+            <a:extLst>
+              <a:ext uri="{FF2B5EF4-FFF2-40B4-BE49-F238E27FC236}">
+                <a16:creationId xmlns:a16="http://schemas.microsoft.com/office/drawing/2014/main" id="{3667D8CC-863C-47BF-879B-B395A29407C4}"/>
+              </a:ext>
+            </a:extLst>
+          </p:cNvPr>
+          <p:cNvSpPr/>
+          <p:nvPr/>
+        </p:nvSpPr>
+        <p:spPr>
+          <a:xfrm>
+            <a:off x="3463046" y="4681776"/>
+            <a:ext cx="7425447" cy="1108874"/>
+          </a:xfrm>
+          <a:prstGeom prst="rect">
+            <a:avLst/>
+          </a:prstGeom>
+          <a:solidFill>
+            <a:schemeClr val="bg1"/>
+          </a:solidFill>
+          <a:ln w="19050">
+            <a:solidFill>
+              <a:srgbClr val="D29839"/>
+            </a:solidFill>
+          </a:ln>
+        </p:spPr>
+        <p:style>
+          <a:lnRef idx="2">
+            <a:schemeClr val="accent1">
+              <a:shade val="50000"/>
+            </a:schemeClr>
+          </a:lnRef>
+          <a:fillRef idx="1">
+            <a:schemeClr val="accent1"/>
+          </a:fillRef>
+          <a:effectRef idx="0">
+            <a:schemeClr val="accent1"/>
+          </a:effectRef>
+          <a:fontRef idx="minor">
+            <a:schemeClr val="lt1"/>
+          </a:fontRef>
+        </p:style>
+        <p:txBody>
+          <a:bodyPr rtlCol="0" anchor="ctr"/>
+          <a:lstStyle/>
+          <a:p>
+            <a:pPr algn="ctr"/>
+            <a:r>
+              <a:rPr kumimoji="1" lang="ja-JP" altLang="en-US" sz="3600" dirty="0" smtClean="0">
+                <a:solidFill>
+                  <a:srgbClr val="4C464C"/>
+                </a:solidFill>
+                <a:latin typeface="HGSｺﾞｼｯｸE" panose="020B0900000000000000" pitchFamily="50" charset="-128"/>
+                <a:ea typeface="HGSｺﾞｼｯｸE" panose="020B0900000000000000" pitchFamily="50" charset="-128"/>
+              </a:rPr>
+              <a:t>通話時のＵＩの作成</a:t>
+            </a:r>
+            <a:endParaRPr kumimoji="1" lang="ja-JP" altLang="en-US" sz="3600" dirty="0">
+              <a:solidFill>
+                <a:srgbClr val="4C464C"/>
+              </a:solidFill>
+              <a:latin typeface="HGSｺﾞｼｯｸE" panose="020B0900000000000000" pitchFamily="50" charset="-128"/>
+              <a:ea typeface="HGSｺﾞｼｯｸE" panose="020B0900000000000000" pitchFamily="50" charset="-128"/>
+            </a:endParaRPr>
+          </a:p>
+        </p:txBody>
+      </p:sp>
+      <p:sp>
+        <p:nvSpPr>
+          <p:cNvPr id="24" name="正方形/長方形 23">
+            <a:extLst>
+              <a:ext uri="{FF2B5EF4-FFF2-40B4-BE49-F238E27FC236}">
+                <a16:creationId xmlns:a16="http://schemas.microsoft.com/office/drawing/2014/main" id="{2DA0B727-CFAB-4A2A-BC89-DA6527315F5F}"/>
+              </a:ext>
+            </a:extLst>
+          </p:cNvPr>
+          <p:cNvSpPr/>
+          <p:nvPr/>
+        </p:nvSpPr>
+        <p:spPr>
+          <a:xfrm>
+            <a:off x="1191491" y="4681777"/>
+            <a:ext cx="2271555" cy="1108873"/>
+          </a:xfrm>
+          <a:prstGeom prst="rect">
+            <a:avLst/>
+          </a:prstGeom>
+          <a:solidFill>
+            <a:schemeClr val="accent2"/>
+          </a:solidFill>
+          <a:ln w="19050">
+            <a:solidFill>
+              <a:srgbClr val="D29839"/>
+            </a:solidFill>
+          </a:ln>
+        </p:spPr>
+        <p:style>
+          <a:lnRef idx="2">
+            <a:schemeClr val="accent1">
+              <a:shade val="50000"/>
+            </a:schemeClr>
+          </a:lnRef>
+          <a:fillRef idx="1">
+            <a:schemeClr val="accent1"/>
+          </a:fillRef>
+          <a:effectRef idx="0">
+            <a:schemeClr val="accent1"/>
+          </a:effectRef>
+          <a:fontRef idx="minor">
+            <a:schemeClr val="lt1"/>
+          </a:fontRef>
+        </p:style>
+        <p:txBody>
+          <a:bodyPr rtlCol="0" anchor="ctr"/>
+          <a:lstStyle/>
+          <a:p>
+            <a:pPr algn="ctr"/>
+            <a:r>
+              <a:rPr lang="en-US" altLang="ja-JP" sz="3600" b="1" dirty="0">
+                <a:solidFill>
+                  <a:schemeClr val="bg1"/>
+                </a:solidFill>
+              </a:rPr>
+              <a:t>3</a:t>
+            </a:r>
+            <a:endParaRPr kumimoji="1" lang="ja-JP" altLang="en-US" sz="3600" b="1" dirty="0">
+              <a:solidFill>
+                <a:schemeClr val="bg1"/>
+              </a:solidFill>
+            </a:endParaRPr>
+          </a:p>
+        </p:txBody>
+      </p:sp>
+      <p:sp>
+        <p:nvSpPr>
+          <p:cNvPr id="25" name="テキスト ボックス 24">
             <a:extLst>
               <a:ext uri="{FF2B5EF4-FFF2-40B4-BE49-F238E27FC236}">
                 <a16:creationId xmlns:a16="http://schemas.microsoft.com/office/drawing/2014/main" id="{AC0385A7-0901-460A-88BE-0CC61EE9D377}"/>
@@ -3043,8 +3555,8 @@
         </p:nvSpPr>
         <p:spPr>
           <a:xfrm>
-            <a:off x="519545" y="86463"/>
-            <a:ext cx="2492990" cy="646331"/>
+            <a:off x="637169" y="133458"/>
+            <a:ext cx="2954655" cy="646331"/>
           </a:xfrm>
           <a:prstGeom prst="rect">
             <a:avLst/>
@@ -3058,220 +3570,41 @@
           <a:lstStyle/>
           <a:p>
             <a:r>
-              <a:rPr lang="ja-JP" altLang="en-US" sz="3600" dirty="0" smtClean="0">
+              <a:rPr lang="ja-JP" altLang="en-US" sz="3600" b="1" dirty="0">
                 <a:solidFill>
-                  <a:schemeClr val="tx1">
-                    <a:lumMod val="75000"/>
-                    <a:lumOff val="25000"/>
-                  </a:schemeClr>
+                  <a:srgbClr val="4C464C"/>
                 </a:solidFill>
-                <a:latin typeface="HGSｺﾞｼｯｸE" panose="020B0900000000000000" pitchFamily="50" charset="-128"/>
-                <a:ea typeface="HGSｺﾞｼｯｸE" panose="020B0900000000000000" pitchFamily="50" charset="-128"/>
               </a:rPr>
-              <a:t>使用ツール</a:t>
-            </a:r>
-            <a:endParaRPr kumimoji="1" lang="ja-JP" altLang="en-US" sz="3600" dirty="0">
+              <a:t>今後</a:t>
+            </a:r>
+            <a:r>
+              <a:rPr lang="ja-JP" altLang="en-US" sz="3600" b="1" dirty="0" smtClean="0">
+                <a:solidFill>
+                  <a:srgbClr val="4C464C"/>
+                </a:solidFill>
+              </a:rPr>
+              <a:t>の課題</a:t>
+            </a:r>
+            <a:r>
+              <a:rPr lang="ja-JP" altLang="en-US" sz="3600" b="1" dirty="0">
+                <a:solidFill>
+                  <a:srgbClr val="4C464C"/>
+                </a:solidFill>
+              </a:rPr>
+              <a:t>点</a:t>
+            </a:r>
+            <a:endParaRPr kumimoji="1" lang="ja-JP" altLang="en-US" sz="3600" b="1" dirty="0">
               <a:solidFill>
-                <a:schemeClr val="tx1">
-                  <a:lumMod val="75000"/>
-                  <a:lumOff val="25000"/>
-                </a:schemeClr>
+                <a:srgbClr val="4C464C"/>
               </a:solidFill>
-              <a:latin typeface="HGSｺﾞｼｯｸE" panose="020B0900000000000000" pitchFamily="50" charset="-128"/>
-              <a:ea typeface="HGSｺﾞｼｯｸE" panose="020B0900000000000000" pitchFamily="50" charset="-128"/>
             </a:endParaRPr>
           </a:p>
         </p:txBody>
       </p:sp>
-      <p:sp>
-        <p:nvSpPr>
-          <p:cNvPr id="8" name="角丸四角形 7"/>
-          <p:cNvSpPr/>
-          <p:nvPr/>
-        </p:nvSpPr>
-        <p:spPr>
-          <a:xfrm>
-            <a:off x="785857" y="1213212"/>
-            <a:ext cx="10620285" cy="4094018"/>
-          </a:xfrm>
-          <a:prstGeom prst="roundRect">
-            <a:avLst/>
-          </a:prstGeom>
-          <a:solidFill>
-            <a:srgbClr val="FFFFFF"/>
-          </a:solidFill>
-          <a:ln w="76200" cap="rnd">
-            <a:solidFill>
-              <a:schemeClr val="accent2"/>
-            </a:solidFill>
-          </a:ln>
-          <a:effectLst/>
-        </p:spPr>
-        <p:style>
-          <a:lnRef idx="2">
-            <a:schemeClr val="accent1">
-              <a:shade val="50000"/>
-            </a:schemeClr>
-          </a:lnRef>
-          <a:fillRef idx="1">
-            <a:schemeClr val="accent1"/>
-          </a:fillRef>
-          <a:effectRef idx="0">
-            <a:schemeClr val="accent1"/>
-          </a:effectRef>
-          <a:fontRef idx="minor">
-            <a:schemeClr val="lt1"/>
-          </a:fontRef>
-        </p:style>
-        <p:txBody>
-          <a:bodyPr rtlCol="0" anchor="ctr"/>
-          <a:lstStyle/>
-          <a:p>
-            <a:pPr algn="ctr"/>
-            <a:endParaRPr kumimoji="1" lang="ja-JP" altLang="en-US" dirty="0"/>
-          </a:p>
-        </p:txBody>
-      </p:sp>
-      <p:pic>
-        <p:nvPicPr>
-          <p:cNvPr id="2" name="図 1"/>
-          <p:cNvPicPr>
-            <a:picLocks noChangeAspect="1"/>
-          </p:cNvPicPr>
-          <p:nvPr/>
-        </p:nvPicPr>
-        <p:blipFill>
-          <a:blip r:embed="rId2" cstate="print">
-            <a:extLst>
-              <a:ext uri="{28A0092B-C50C-407E-A947-70E740481C1C}">
-                <a14:useLocalDpi xmlns:a14="http://schemas.microsoft.com/office/drawing/2010/main" val="0"/>
-              </a:ext>
-            </a:extLst>
-          </a:blip>
-          <a:stretch>
-            <a:fillRect/>
-          </a:stretch>
-        </p:blipFill>
-        <p:spPr>
-          <a:xfrm>
-            <a:off x="1579414" y="2784462"/>
-            <a:ext cx="3223409" cy="772948"/>
-          </a:xfrm>
-          <a:prstGeom prst="rect">
-            <a:avLst/>
-          </a:prstGeom>
-        </p:spPr>
-      </p:pic>
-      <p:pic>
-        <p:nvPicPr>
-          <p:cNvPr id="14" name="図 13"/>
-          <p:cNvPicPr>
-            <a:picLocks noChangeAspect="1"/>
-          </p:cNvPicPr>
-          <p:nvPr/>
-        </p:nvPicPr>
-        <p:blipFill>
-          <a:blip r:embed="rId3" cstate="print">
-            <a:extLst>
-              <a:ext uri="{28A0092B-C50C-407E-A947-70E740481C1C}">
-                <a14:useLocalDpi xmlns:a14="http://schemas.microsoft.com/office/drawing/2010/main" val="0"/>
-              </a:ext>
-            </a:extLst>
-          </a:blip>
-          <a:stretch>
-            <a:fillRect/>
-          </a:stretch>
-        </p:blipFill>
-        <p:spPr>
-          <a:xfrm>
-            <a:off x="8539506" y="2326706"/>
-            <a:ext cx="1688460" cy="1688460"/>
-          </a:xfrm>
-          <a:prstGeom prst="rect">
-            <a:avLst/>
-          </a:prstGeom>
-        </p:spPr>
-      </p:pic>
-      <p:sp>
-        <p:nvSpPr>
-          <p:cNvPr id="15" name="テキスト ボックス 14"/>
-          <p:cNvSpPr txBox="1"/>
-          <p:nvPr/>
-        </p:nvSpPr>
-        <p:spPr>
-          <a:xfrm>
-            <a:off x="2230988" y="5740652"/>
-            <a:ext cx="10725013" cy="769441"/>
-          </a:xfrm>
-          <a:prstGeom prst="rect">
-            <a:avLst/>
-          </a:prstGeom>
-          <a:noFill/>
-        </p:spPr>
-        <p:txBody>
-          <a:bodyPr wrap="square" rtlCol="0">
-            <a:spAutoFit/>
-          </a:bodyPr>
-          <a:lstStyle/>
-          <a:p>
-            <a:r>
-              <a:rPr kumimoji="1" lang="en-US" altLang="ja-JP" sz="4400" b="1" dirty="0" smtClean="0">
-                <a:solidFill>
-                  <a:srgbClr val="404040"/>
-                </a:solidFill>
-              </a:rPr>
-              <a:t>GitHub</a:t>
-            </a:r>
-            <a:r>
-              <a:rPr lang="en-US" altLang="ja-JP" sz="4400" b="1" dirty="0" smtClean="0">
-                <a:solidFill>
-                  <a:srgbClr val="404040"/>
-                </a:solidFill>
-              </a:rPr>
-              <a:t> , Atom(IDE) , XAMPP</a:t>
-            </a:r>
-            <a:endParaRPr kumimoji="1" lang="ja-JP" altLang="en-US" sz="4400" b="1" dirty="0">
-              <a:solidFill>
-                <a:srgbClr val="404040"/>
-              </a:solidFill>
-            </a:endParaRPr>
-          </a:p>
-        </p:txBody>
-      </p:sp>
-      <p:pic>
-        <p:nvPicPr>
-          <p:cNvPr id="17" name="図 16"/>
-          <p:cNvPicPr>
-            <a:picLocks noChangeAspect="1"/>
-          </p:cNvPicPr>
-          <p:nvPr/>
-        </p:nvPicPr>
-        <p:blipFill>
-          <a:blip r:embed="rId4">
-            <a:extLst>
-              <a:ext uri="{28A0092B-C50C-407E-A947-70E740481C1C}">
-                <a14:useLocalDpi xmlns:a14="http://schemas.microsoft.com/office/drawing/2010/main" val="0"/>
-              </a:ext>
-            </a:extLst>
-          </a:blip>
-          <a:stretch>
-            <a:fillRect/>
-          </a:stretch>
-        </p:blipFill>
-        <p:spPr>
-          <a:xfrm>
-            <a:off x="5788689" y="2363565"/>
-            <a:ext cx="1764951" cy="1614742"/>
-          </a:xfrm>
-          <a:prstGeom prst="rect">
-            <a:avLst/>
-          </a:prstGeom>
-        </p:spPr>
-      </p:pic>
     </p:spTree>
     <p:extLst>
       <p:ext uri="{BB962C8B-B14F-4D97-AF65-F5344CB8AC3E}">
-        <p14:creationId xmlns:p14="http://schemas.microsoft.com/office/powerpoint/2010/main" val="1546948040"/>
+        <p14:creationId xmlns:p14="http://schemas.microsoft.com/office/powerpoint/2010/main" val="1264010932"/>
       </p:ext>
     </p:extLst>
   </p:cSld>
@@ -3281,9 +3614,551 @@
   <p:timing>
     <p:tnLst>
       <p:par>
-        <p:cTn id="1" dur="indefinite" restart="never" nodeType="tmRoot"/>
+        <p:cTn id="1" dur="indefinite" restart="never" nodeType="tmRoot">
+          <p:childTnLst>
+            <p:seq concurrent="1" nextAc="seek">
+              <p:cTn id="2" dur="indefinite" nodeType="mainSeq">
+                <p:childTnLst>
+                  <p:par>
+                    <p:cTn id="3" fill="hold">
+                      <p:stCondLst>
+                        <p:cond delay="indefinite"/>
+                        <p:cond evt="onBegin" delay="0">
+                          <p:tn val="2"/>
+                        </p:cond>
+                      </p:stCondLst>
+                      <p:childTnLst>
+                        <p:par>
+                          <p:cTn id="4" fill="hold">
+                            <p:stCondLst>
+                              <p:cond delay="0"/>
+                            </p:stCondLst>
+                            <p:childTnLst>
+                              <p:par>
+                                <p:cTn id="5" presetID="10" presetClass="entr" presetSubtype="0" fill="hold" grpId="1" nodeType="afterEffect">
+                                  <p:stCondLst>
+                                    <p:cond delay="0"/>
+                                  </p:stCondLst>
+                                  <p:iterate type="lt">
+                                    <p:tmPct val="0"/>
+                                  </p:iterate>
+                                  <p:childTnLst>
+                                    <p:set>
+                                      <p:cBhvr>
+                                        <p:cTn id="6" dur="1" fill="hold">
+                                          <p:stCondLst>
+                                            <p:cond delay="0"/>
+                                          </p:stCondLst>
+                                        </p:cTn>
+                                        <p:tgtEl>
+                                          <p:spTgt spid="19"/>
+                                        </p:tgtEl>
+                                        <p:attrNameLst>
+                                          <p:attrName>style.visibility</p:attrName>
+                                        </p:attrNameLst>
+                                      </p:cBhvr>
+                                      <p:to>
+                                        <p:strVal val="visible"/>
+                                      </p:to>
+                                    </p:set>
+                                    <p:animEffect transition="in" filter="fade">
+                                      <p:cBhvr>
+                                        <p:cTn id="7" dur="500"/>
+                                        <p:tgtEl>
+                                          <p:spTgt spid="19"/>
+                                        </p:tgtEl>
+                                      </p:cBhvr>
+                                    </p:animEffect>
+                                  </p:childTnLst>
+                                </p:cTn>
+                              </p:par>
+                            </p:childTnLst>
+                          </p:cTn>
+                        </p:par>
+                        <p:par>
+                          <p:cTn id="8" fill="hold">
+                            <p:stCondLst>
+                              <p:cond delay="500"/>
+                            </p:stCondLst>
+                            <p:childTnLst>
+                              <p:par>
+                                <p:cTn id="9" presetID="15" presetClass="emph" presetSubtype="0" grpId="0" nodeType="afterEffect">
+                                  <p:stCondLst>
+                                    <p:cond delay="0"/>
+                                  </p:stCondLst>
+                                  <p:iterate type="lt">
+                                    <p:tmAbs val="25"/>
+                                  </p:iterate>
+                                  <p:childTnLst>
+                                    <p:set>
+                                      <p:cBhvr override="childStyle">
+                                        <p:cTn id="10" dur="indefinite"/>
+                                        <p:tgtEl>
+                                          <p:spTgt spid="19"/>
+                                        </p:tgtEl>
+                                        <p:attrNameLst>
+                                          <p:attrName>style.fontWeight</p:attrName>
+                                        </p:attrNameLst>
+                                      </p:cBhvr>
+                                      <p:to>
+                                        <p:strVal val="bold"/>
+                                      </p:to>
+                                    </p:set>
+                                  </p:childTnLst>
+                                </p:cTn>
+                              </p:par>
+                            </p:childTnLst>
+                          </p:cTn>
+                        </p:par>
+                      </p:childTnLst>
+                    </p:cTn>
+                  </p:par>
+                  <p:par>
+                    <p:cTn id="11" fill="hold">
+                      <p:stCondLst>
+                        <p:cond delay="indefinite"/>
+                      </p:stCondLst>
+                      <p:childTnLst>
+                        <p:par>
+                          <p:cTn id="12" fill="hold">
+                            <p:stCondLst>
+                              <p:cond delay="0"/>
+                            </p:stCondLst>
+                            <p:childTnLst>
+                              <p:par>
+                                <p:cTn id="13" presetID="10" presetClass="entr" presetSubtype="0" fill="hold" grpId="0" nodeType="clickEffect">
+                                  <p:stCondLst>
+                                    <p:cond delay="0"/>
+                                  </p:stCondLst>
+                                  <p:childTnLst>
+                                    <p:set>
+                                      <p:cBhvr>
+                                        <p:cTn id="14" dur="1" fill="hold">
+                                          <p:stCondLst>
+                                            <p:cond delay="0"/>
+                                          </p:stCondLst>
+                                        </p:cTn>
+                                        <p:tgtEl>
+                                          <p:spTgt spid="20"/>
+                                        </p:tgtEl>
+                                        <p:attrNameLst>
+                                          <p:attrName>style.visibility</p:attrName>
+                                        </p:attrNameLst>
+                                      </p:cBhvr>
+                                      <p:to>
+                                        <p:strVal val="visible"/>
+                                      </p:to>
+                                    </p:set>
+                                    <p:animEffect transition="in" filter="fade">
+                                      <p:cBhvr>
+                                        <p:cTn id="15" dur="500"/>
+                                        <p:tgtEl>
+                                          <p:spTgt spid="20"/>
+                                        </p:tgtEl>
+                                      </p:cBhvr>
+                                    </p:animEffect>
+                                  </p:childTnLst>
+                                </p:cTn>
+                              </p:par>
+                            </p:childTnLst>
+                          </p:cTn>
+                        </p:par>
+                        <p:par>
+                          <p:cTn id="16" fill="hold">
+                            <p:stCondLst>
+                              <p:cond delay="500"/>
+                            </p:stCondLst>
+                            <p:childTnLst>
+                              <p:par>
+                                <p:cTn id="17" presetID="10" presetClass="entr" presetSubtype="0" fill="hold" grpId="0" nodeType="afterEffect">
+                                  <p:stCondLst>
+                                    <p:cond delay="0"/>
+                                  </p:stCondLst>
+                                  <p:iterate type="lt">
+                                    <p:tmPct val="0"/>
+                                  </p:iterate>
+                                  <p:childTnLst>
+                                    <p:set>
+                                      <p:cBhvr>
+                                        <p:cTn id="18" dur="1" fill="hold">
+                                          <p:stCondLst>
+                                            <p:cond delay="0"/>
+                                          </p:stCondLst>
+                                        </p:cTn>
+                                        <p:tgtEl>
+                                          <p:spTgt spid="21"/>
+                                        </p:tgtEl>
+                                        <p:attrNameLst>
+                                          <p:attrName>style.visibility</p:attrName>
+                                        </p:attrNameLst>
+                                      </p:cBhvr>
+                                      <p:to>
+                                        <p:strVal val="visible"/>
+                                      </p:to>
+                                    </p:set>
+                                    <p:animEffect transition="in" filter="fade">
+                                      <p:cBhvr>
+                                        <p:cTn id="19" dur="500"/>
+                                        <p:tgtEl>
+                                          <p:spTgt spid="21"/>
+                                        </p:tgtEl>
+                                      </p:cBhvr>
+                                    </p:animEffect>
+                                  </p:childTnLst>
+                                </p:cTn>
+                              </p:par>
+                            </p:childTnLst>
+                          </p:cTn>
+                        </p:par>
+                        <p:par>
+                          <p:cTn id="20" fill="hold">
+                            <p:stCondLst>
+                              <p:cond delay="1000"/>
+                            </p:stCondLst>
+                            <p:childTnLst>
+                              <p:par>
+                                <p:cTn id="21" presetID="15" presetClass="emph" presetSubtype="0" grpId="1" nodeType="afterEffect">
+                                  <p:stCondLst>
+                                    <p:cond delay="0"/>
+                                  </p:stCondLst>
+                                  <p:iterate type="lt">
+                                    <p:tmAbs val="25"/>
+                                  </p:iterate>
+                                  <p:childTnLst>
+                                    <p:set>
+                                      <p:cBhvr override="childStyle">
+                                        <p:cTn id="22" dur="indefinite"/>
+                                        <p:tgtEl>
+                                          <p:spTgt spid="21"/>
+                                        </p:tgtEl>
+                                        <p:attrNameLst>
+                                          <p:attrName>style.fontWeight</p:attrName>
+                                        </p:attrNameLst>
+                                      </p:cBhvr>
+                                      <p:to>
+                                        <p:strVal val="bold"/>
+                                      </p:to>
+                                    </p:set>
+                                  </p:childTnLst>
+                                </p:cTn>
+                              </p:par>
+                            </p:childTnLst>
+                          </p:cTn>
+                        </p:par>
+                      </p:childTnLst>
+                    </p:cTn>
+                  </p:par>
+                  <p:par>
+                    <p:cTn id="23" fill="hold">
+                      <p:stCondLst>
+                        <p:cond delay="indefinite"/>
+                      </p:stCondLst>
+                      <p:childTnLst>
+                        <p:par>
+                          <p:cTn id="24" fill="hold">
+                            <p:stCondLst>
+                              <p:cond delay="0"/>
+                            </p:stCondLst>
+                            <p:childTnLst>
+                              <p:par>
+                                <p:cTn id="25" presetID="10" presetClass="entr" presetSubtype="0" fill="hold" grpId="0" nodeType="clickEffect">
+                                  <p:stCondLst>
+                                    <p:cond delay="0"/>
+                                  </p:stCondLst>
+                                  <p:childTnLst>
+                                    <p:set>
+                                      <p:cBhvr>
+                                        <p:cTn id="26" dur="1" fill="hold">
+                                          <p:stCondLst>
+                                            <p:cond delay="0"/>
+                                          </p:stCondLst>
+                                        </p:cTn>
+                                        <p:tgtEl>
+                                          <p:spTgt spid="22"/>
+                                        </p:tgtEl>
+                                        <p:attrNameLst>
+                                          <p:attrName>style.visibility</p:attrName>
+                                        </p:attrNameLst>
+                                      </p:cBhvr>
+                                      <p:to>
+                                        <p:strVal val="visible"/>
+                                      </p:to>
+                                    </p:set>
+                                    <p:animEffect transition="in" filter="fade">
+                                      <p:cBhvr>
+                                        <p:cTn id="27" dur="500"/>
+                                        <p:tgtEl>
+                                          <p:spTgt spid="22"/>
+                                        </p:tgtEl>
+                                      </p:cBhvr>
+                                    </p:animEffect>
+                                  </p:childTnLst>
+                                </p:cTn>
+                              </p:par>
+                            </p:childTnLst>
+                          </p:cTn>
+                        </p:par>
+                        <p:par>
+                          <p:cTn id="28" fill="hold">
+                            <p:stCondLst>
+                              <p:cond delay="500"/>
+                            </p:stCondLst>
+                            <p:childTnLst>
+                              <p:par>
+                                <p:cTn id="29" presetID="10" presetClass="entr" presetSubtype="0" fill="hold" grpId="0" nodeType="afterEffect">
+                                  <p:stCondLst>
+                                    <p:cond delay="0"/>
+                                  </p:stCondLst>
+                                  <p:iterate type="lt">
+                                    <p:tmPct val="0"/>
+                                  </p:iterate>
+                                  <p:childTnLst>
+                                    <p:set>
+                                      <p:cBhvr>
+                                        <p:cTn id="30" dur="1" fill="hold">
+                                          <p:stCondLst>
+                                            <p:cond delay="0"/>
+                                          </p:stCondLst>
+                                        </p:cTn>
+                                        <p:tgtEl>
+                                          <p:spTgt spid="23"/>
+                                        </p:tgtEl>
+                                        <p:attrNameLst>
+                                          <p:attrName>style.visibility</p:attrName>
+                                        </p:attrNameLst>
+                                      </p:cBhvr>
+                                      <p:to>
+                                        <p:strVal val="visible"/>
+                                      </p:to>
+                                    </p:set>
+                                    <p:animEffect transition="in" filter="fade">
+                                      <p:cBhvr>
+                                        <p:cTn id="31" dur="500"/>
+                                        <p:tgtEl>
+                                          <p:spTgt spid="23"/>
+                                        </p:tgtEl>
+                                      </p:cBhvr>
+                                    </p:animEffect>
+                                  </p:childTnLst>
+                                </p:cTn>
+                              </p:par>
+                            </p:childTnLst>
+                          </p:cTn>
+                        </p:par>
+                        <p:par>
+                          <p:cTn id="32" fill="hold">
+                            <p:stCondLst>
+                              <p:cond delay="1000"/>
+                            </p:stCondLst>
+                            <p:childTnLst>
+                              <p:par>
+                                <p:cTn id="33" presetID="15" presetClass="emph" presetSubtype="0" grpId="1" nodeType="afterEffect">
+                                  <p:stCondLst>
+                                    <p:cond delay="0"/>
+                                  </p:stCondLst>
+                                  <p:iterate type="lt">
+                                    <p:tmAbs val="25"/>
+                                  </p:iterate>
+                                  <p:childTnLst>
+                                    <p:set>
+                                      <p:cBhvr override="childStyle">
+                                        <p:cTn id="34" dur="indefinite"/>
+                                        <p:tgtEl>
+                                          <p:spTgt spid="23"/>
+                                        </p:tgtEl>
+                                        <p:attrNameLst>
+                                          <p:attrName>style.fontWeight</p:attrName>
+                                        </p:attrNameLst>
+                                      </p:cBhvr>
+                                      <p:to>
+                                        <p:strVal val="bold"/>
+                                      </p:to>
+                                    </p:set>
+                                  </p:childTnLst>
+                                </p:cTn>
+                              </p:par>
+                            </p:childTnLst>
+                          </p:cTn>
+                        </p:par>
+                      </p:childTnLst>
+                    </p:cTn>
+                  </p:par>
+                  <p:par>
+                    <p:cTn id="35" fill="hold">
+                      <p:stCondLst>
+                        <p:cond delay="indefinite"/>
+                      </p:stCondLst>
+                      <p:childTnLst>
+                        <p:par>
+                          <p:cTn id="36" fill="hold">
+                            <p:stCondLst>
+                              <p:cond delay="0"/>
+                            </p:stCondLst>
+                            <p:childTnLst>
+                              <p:par>
+                                <p:cTn id="37" presetID="10" presetClass="entr" presetSubtype="0" fill="hold" grpId="0" nodeType="clickEffect">
+                                  <p:stCondLst>
+                                    <p:cond delay="0"/>
+                                  </p:stCondLst>
+                                  <p:childTnLst>
+                                    <p:set>
+                                      <p:cBhvr>
+                                        <p:cTn id="38" dur="1" fill="hold">
+                                          <p:stCondLst>
+                                            <p:cond delay="0"/>
+                                          </p:stCondLst>
+                                        </p:cTn>
+                                        <p:tgtEl>
+                                          <p:spTgt spid="24"/>
+                                        </p:tgtEl>
+                                        <p:attrNameLst>
+                                          <p:attrName>style.visibility</p:attrName>
+                                        </p:attrNameLst>
+                                      </p:cBhvr>
+                                      <p:to>
+                                        <p:strVal val="visible"/>
+                                      </p:to>
+                                    </p:set>
+                                    <p:animEffect transition="in" filter="fade">
+                                      <p:cBhvr>
+                                        <p:cTn id="39" dur="500"/>
+                                        <p:tgtEl>
+                                          <p:spTgt spid="24"/>
+                                        </p:tgtEl>
+                                      </p:cBhvr>
+                                    </p:animEffect>
+                                  </p:childTnLst>
+                                </p:cTn>
+                              </p:par>
+                            </p:childTnLst>
+                          </p:cTn>
+                        </p:par>
+                        <p:par>
+                          <p:cTn id="40" fill="hold">
+                            <p:stCondLst>
+                              <p:cond delay="500"/>
+                            </p:stCondLst>
+                            <p:childTnLst>
+                              <p:par>
+                                <p:cTn id="41" presetID="42" presetClass="entr" presetSubtype="0" fill="hold" grpId="0" nodeType="afterEffect">
+                                  <p:stCondLst>
+                                    <p:cond delay="0"/>
+                                  </p:stCondLst>
+                                  <p:childTnLst>
+                                    <p:set>
+                                      <p:cBhvr>
+                                        <p:cTn id="42" dur="1" fill="hold">
+                                          <p:stCondLst>
+                                            <p:cond delay="0"/>
+                                          </p:stCondLst>
+                                        </p:cTn>
+                                        <p:tgtEl>
+                                          <p:spTgt spid="25"/>
+                                        </p:tgtEl>
+                                        <p:attrNameLst>
+                                          <p:attrName>style.visibility</p:attrName>
+                                        </p:attrNameLst>
+                                      </p:cBhvr>
+                                      <p:to>
+                                        <p:strVal val="visible"/>
+                                      </p:to>
+                                    </p:set>
+                                    <p:animEffect transition="in" filter="fade">
+                                      <p:cBhvr>
+                                        <p:cTn id="43" dur="1000"/>
+                                        <p:tgtEl>
+                                          <p:spTgt spid="25"/>
+                                        </p:tgtEl>
+                                      </p:cBhvr>
+                                    </p:animEffect>
+                                    <p:anim calcmode="lin" valueType="num">
+                                      <p:cBhvr>
+                                        <p:cTn id="44" dur="1000" fill="hold"/>
+                                        <p:tgtEl>
+                                          <p:spTgt spid="25"/>
+                                        </p:tgtEl>
+                                        <p:attrNameLst>
+                                          <p:attrName>ppt_x</p:attrName>
+                                        </p:attrNameLst>
+                                      </p:cBhvr>
+                                      <p:tavLst>
+                                        <p:tav tm="0">
+                                          <p:val>
+                                            <p:strVal val="#ppt_x"/>
+                                          </p:val>
+                                        </p:tav>
+                                        <p:tav tm="100000">
+                                          <p:val>
+                                            <p:strVal val="#ppt_x"/>
+                                          </p:val>
+                                        </p:tav>
+                                      </p:tavLst>
+                                    </p:anim>
+                                    <p:anim calcmode="lin" valueType="num">
+                                      <p:cBhvr>
+                                        <p:cTn id="45" dur="1000" fill="hold"/>
+                                        <p:tgtEl>
+                                          <p:spTgt spid="25"/>
+                                        </p:tgtEl>
+                                        <p:attrNameLst>
+                                          <p:attrName>ppt_y</p:attrName>
+                                        </p:attrNameLst>
+                                      </p:cBhvr>
+                                      <p:tavLst>
+                                        <p:tav tm="0">
+                                          <p:val>
+                                            <p:strVal val="#ppt_y+.1"/>
+                                          </p:val>
+                                        </p:tav>
+                                        <p:tav tm="100000">
+                                          <p:val>
+                                            <p:strVal val="#ppt_y"/>
+                                          </p:val>
+                                        </p:tav>
+                                      </p:tavLst>
+                                    </p:anim>
+                                  </p:childTnLst>
+                                </p:cTn>
+                              </p:par>
+                            </p:childTnLst>
+                          </p:cTn>
+                        </p:par>
+                      </p:childTnLst>
+                    </p:cTn>
+                  </p:par>
+                </p:childTnLst>
+              </p:cTn>
+              <p:prevCondLst>
+                <p:cond evt="onPrev" delay="0">
+                  <p:tgtEl>
+                    <p:sldTgt/>
+                  </p:tgtEl>
+                </p:cond>
+              </p:prevCondLst>
+              <p:nextCondLst>
+                <p:cond evt="onNext" delay="0">
+                  <p:tgtEl>
+                    <p:sldTgt/>
+                  </p:tgtEl>
+                </p:cond>
+              </p:nextCondLst>
+            </p:seq>
+          </p:childTnLst>
+        </p:cTn>
       </p:par>
     </p:tnLst>
+    <p:bldLst>
+      <p:bldP spid="19" grpId="0" animBg="1"/>
+      <p:bldP spid="19" grpId="1" animBg="1"/>
+      <p:bldP spid="20" grpId="0" animBg="1"/>
+      <p:bldP spid="21" grpId="0" animBg="1"/>
+      <p:bldP spid="21" grpId="1" animBg="1"/>
+      <p:bldP spid="22" grpId="0" animBg="1"/>
+      <p:bldP spid="23" grpId="0" animBg="1"/>
+      <p:bldP spid="23" grpId="1" animBg="1"/>
+      <p:bldP spid="24" grpId="0" animBg="1"/>
+      <p:bldP spid="25" grpId="0"/>
+    </p:bldLst>
   </p:timing>
 </p:sld>
 </file>
@@ -3399,12 +4274,16 @@
   <p:clrMapOvr>
     <a:masterClrMapping/>
   </p:clrMapOvr>
-  <mc:AlternateContent xmlns:mc="http://schemas.openxmlformats.org/markup-compatibility/2006">
-    <mc:Choice xmlns:p14="http://schemas.microsoft.com/office/powerpoint/2010/main" Requires="p14">
-      <p:transition p14:dur="0"/>
+  <mc:AlternateContent xmlns:mc="http://schemas.openxmlformats.org/markup-compatibility/2006" xmlns:p14="http://schemas.microsoft.com/office/powerpoint/2010/main">
+    <mc:Choice Requires="p14">
+      <p:transition spd="slow" p14:dur="1600">
+        <p14:gallery dir="l"/>
+      </p:transition>
     </mc:Choice>
-    <mc:Fallback>
-      <p:transition/>
+    <mc:Fallback xmlns="">
+      <p:transition spd="slow">
+        <p:fade/>
+      </p:transition>
     </mc:Fallback>
   </mc:AlternateContent>
   <p:timing>
@@ -4075,12 +4954,16 @@
   <p:clrMapOvr>
     <a:masterClrMapping/>
   </p:clrMapOvr>
-  <mc:AlternateContent xmlns:mc="http://schemas.openxmlformats.org/markup-compatibility/2006">
-    <mc:Choice xmlns:p14="http://schemas.microsoft.com/office/powerpoint/2010/main" Requires="p14">
-      <p:transition p14:dur="0"/>
+  <mc:AlternateContent xmlns:mc="http://schemas.openxmlformats.org/markup-compatibility/2006" xmlns:p14="http://schemas.microsoft.com/office/powerpoint/2010/main">
+    <mc:Choice Requires="p14">
+      <p:transition spd="slow" p14:dur="1600">
+        <p14:gallery dir="l"/>
+      </p:transition>
     </mc:Choice>
-    <mc:Fallback>
-      <p:transition/>
+    <mc:Fallback xmlns="">
+      <p:transition spd="slow">
+        <p:fade/>
+      </p:transition>
     </mc:Fallback>
   </mc:AlternateContent>
   <p:timing>
@@ -4710,9 +5593,551 @@
   <p:timing>
     <p:tnLst>
       <p:par>
-        <p:cTn id="1" dur="indefinite" restart="never" nodeType="tmRoot"/>
+        <p:cTn id="1" dur="indefinite" restart="never" nodeType="tmRoot">
+          <p:childTnLst>
+            <p:seq concurrent="1" nextAc="seek">
+              <p:cTn id="2" dur="indefinite" nodeType="mainSeq">
+                <p:childTnLst>
+                  <p:par>
+                    <p:cTn id="3" fill="hold">
+                      <p:stCondLst>
+                        <p:cond delay="indefinite"/>
+                        <p:cond evt="onBegin" delay="0">
+                          <p:tn val="2"/>
+                        </p:cond>
+                      </p:stCondLst>
+                      <p:childTnLst>
+                        <p:par>
+                          <p:cTn id="4" fill="hold">
+                            <p:stCondLst>
+                              <p:cond delay="0"/>
+                            </p:stCondLst>
+                            <p:childTnLst>
+                              <p:par>
+                                <p:cTn id="5" presetID="10" presetClass="entr" presetSubtype="0" fill="hold" grpId="1" nodeType="afterEffect">
+                                  <p:stCondLst>
+                                    <p:cond delay="0"/>
+                                  </p:stCondLst>
+                                  <p:iterate type="lt">
+                                    <p:tmPct val="0"/>
+                                  </p:iterate>
+                                  <p:childTnLst>
+                                    <p:set>
+                                      <p:cBhvr>
+                                        <p:cTn id="6" dur="1" fill="hold">
+                                          <p:stCondLst>
+                                            <p:cond delay="0"/>
+                                          </p:stCondLst>
+                                        </p:cTn>
+                                        <p:tgtEl>
+                                          <p:spTgt spid="19"/>
+                                        </p:tgtEl>
+                                        <p:attrNameLst>
+                                          <p:attrName>style.visibility</p:attrName>
+                                        </p:attrNameLst>
+                                      </p:cBhvr>
+                                      <p:to>
+                                        <p:strVal val="visible"/>
+                                      </p:to>
+                                    </p:set>
+                                    <p:animEffect transition="in" filter="fade">
+                                      <p:cBhvr>
+                                        <p:cTn id="7" dur="500"/>
+                                        <p:tgtEl>
+                                          <p:spTgt spid="19"/>
+                                        </p:tgtEl>
+                                      </p:cBhvr>
+                                    </p:animEffect>
+                                  </p:childTnLst>
+                                </p:cTn>
+                              </p:par>
+                            </p:childTnLst>
+                          </p:cTn>
+                        </p:par>
+                        <p:par>
+                          <p:cTn id="8" fill="hold">
+                            <p:stCondLst>
+                              <p:cond delay="500"/>
+                            </p:stCondLst>
+                            <p:childTnLst>
+                              <p:par>
+                                <p:cTn id="9" presetID="15" presetClass="emph" presetSubtype="0" grpId="0" nodeType="afterEffect">
+                                  <p:stCondLst>
+                                    <p:cond delay="0"/>
+                                  </p:stCondLst>
+                                  <p:iterate type="lt">
+                                    <p:tmAbs val="25"/>
+                                  </p:iterate>
+                                  <p:childTnLst>
+                                    <p:set>
+                                      <p:cBhvr override="childStyle">
+                                        <p:cTn id="10" dur="indefinite"/>
+                                        <p:tgtEl>
+                                          <p:spTgt spid="19"/>
+                                        </p:tgtEl>
+                                        <p:attrNameLst>
+                                          <p:attrName>style.fontWeight</p:attrName>
+                                        </p:attrNameLst>
+                                      </p:cBhvr>
+                                      <p:to>
+                                        <p:strVal val="bold"/>
+                                      </p:to>
+                                    </p:set>
+                                  </p:childTnLst>
+                                </p:cTn>
+                              </p:par>
+                            </p:childTnLst>
+                          </p:cTn>
+                        </p:par>
+                      </p:childTnLst>
+                    </p:cTn>
+                  </p:par>
+                  <p:par>
+                    <p:cTn id="11" fill="hold">
+                      <p:stCondLst>
+                        <p:cond delay="indefinite"/>
+                      </p:stCondLst>
+                      <p:childTnLst>
+                        <p:par>
+                          <p:cTn id="12" fill="hold">
+                            <p:stCondLst>
+                              <p:cond delay="0"/>
+                            </p:stCondLst>
+                            <p:childTnLst>
+                              <p:par>
+                                <p:cTn id="13" presetID="10" presetClass="entr" presetSubtype="0" fill="hold" grpId="0" nodeType="clickEffect">
+                                  <p:stCondLst>
+                                    <p:cond delay="0"/>
+                                  </p:stCondLst>
+                                  <p:childTnLst>
+                                    <p:set>
+                                      <p:cBhvr>
+                                        <p:cTn id="14" dur="1" fill="hold">
+                                          <p:stCondLst>
+                                            <p:cond delay="0"/>
+                                          </p:stCondLst>
+                                        </p:cTn>
+                                        <p:tgtEl>
+                                          <p:spTgt spid="20"/>
+                                        </p:tgtEl>
+                                        <p:attrNameLst>
+                                          <p:attrName>style.visibility</p:attrName>
+                                        </p:attrNameLst>
+                                      </p:cBhvr>
+                                      <p:to>
+                                        <p:strVal val="visible"/>
+                                      </p:to>
+                                    </p:set>
+                                    <p:animEffect transition="in" filter="fade">
+                                      <p:cBhvr>
+                                        <p:cTn id="15" dur="500"/>
+                                        <p:tgtEl>
+                                          <p:spTgt spid="20"/>
+                                        </p:tgtEl>
+                                      </p:cBhvr>
+                                    </p:animEffect>
+                                  </p:childTnLst>
+                                </p:cTn>
+                              </p:par>
+                            </p:childTnLst>
+                          </p:cTn>
+                        </p:par>
+                        <p:par>
+                          <p:cTn id="16" fill="hold">
+                            <p:stCondLst>
+                              <p:cond delay="500"/>
+                            </p:stCondLst>
+                            <p:childTnLst>
+                              <p:par>
+                                <p:cTn id="17" presetID="10" presetClass="entr" presetSubtype="0" fill="hold" grpId="0" nodeType="afterEffect">
+                                  <p:stCondLst>
+                                    <p:cond delay="0"/>
+                                  </p:stCondLst>
+                                  <p:iterate type="lt">
+                                    <p:tmPct val="0"/>
+                                  </p:iterate>
+                                  <p:childTnLst>
+                                    <p:set>
+                                      <p:cBhvr>
+                                        <p:cTn id="18" dur="1" fill="hold">
+                                          <p:stCondLst>
+                                            <p:cond delay="0"/>
+                                          </p:stCondLst>
+                                        </p:cTn>
+                                        <p:tgtEl>
+                                          <p:spTgt spid="21"/>
+                                        </p:tgtEl>
+                                        <p:attrNameLst>
+                                          <p:attrName>style.visibility</p:attrName>
+                                        </p:attrNameLst>
+                                      </p:cBhvr>
+                                      <p:to>
+                                        <p:strVal val="visible"/>
+                                      </p:to>
+                                    </p:set>
+                                    <p:animEffect transition="in" filter="fade">
+                                      <p:cBhvr>
+                                        <p:cTn id="19" dur="500"/>
+                                        <p:tgtEl>
+                                          <p:spTgt spid="21"/>
+                                        </p:tgtEl>
+                                      </p:cBhvr>
+                                    </p:animEffect>
+                                  </p:childTnLst>
+                                </p:cTn>
+                              </p:par>
+                            </p:childTnLst>
+                          </p:cTn>
+                        </p:par>
+                        <p:par>
+                          <p:cTn id="20" fill="hold">
+                            <p:stCondLst>
+                              <p:cond delay="1000"/>
+                            </p:stCondLst>
+                            <p:childTnLst>
+                              <p:par>
+                                <p:cTn id="21" presetID="15" presetClass="emph" presetSubtype="0" grpId="1" nodeType="afterEffect">
+                                  <p:stCondLst>
+                                    <p:cond delay="0"/>
+                                  </p:stCondLst>
+                                  <p:iterate type="lt">
+                                    <p:tmAbs val="25"/>
+                                  </p:iterate>
+                                  <p:childTnLst>
+                                    <p:set>
+                                      <p:cBhvr override="childStyle">
+                                        <p:cTn id="22" dur="indefinite"/>
+                                        <p:tgtEl>
+                                          <p:spTgt spid="21"/>
+                                        </p:tgtEl>
+                                        <p:attrNameLst>
+                                          <p:attrName>style.fontWeight</p:attrName>
+                                        </p:attrNameLst>
+                                      </p:cBhvr>
+                                      <p:to>
+                                        <p:strVal val="bold"/>
+                                      </p:to>
+                                    </p:set>
+                                  </p:childTnLst>
+                                </p:cTn>
+                              </p:par>
+                            </p:childTnLst>
+                          </p:cTn>
+                        </p:par>
+                      </p:childTnLst>
+                    </p:cTn>
+                  </p:par>
+                  <p:par>
+                    <p:cTn id="23" fill="hold">
+                      <p:stCondLst>
+                        <p:cond delay="indefinite"/>
+                      </p:stCondLst>
+                      <p:childTnLst>
+                        <p:par>
+                          <p:cTn id="24" fill="hold">
+                            <p:stCondLst>
+                              <p:cond delay="0"/>
+                            </p:stCondLst>
+                            <p:childTnLst>
+                              <p:par>
+                                <p:cTn id="25" presetID="10" presetClass="entr" presetSubtype="0" fill="hold" grpId="0" nodeType="clickEffect">
+                                  <p:stCondLst>
+                                    <p:cond delay="0"/>
+                                  </p:stCondLst>
+                                  <p:childTnLst>
+                                    <p:set>
+                                      <p:cBhvr>
+                                        <p:cTn id="26" dur="1" fill="hold">
+                                          <p:stCondLst>
+                                            <p:cond delay="0"/>
+                                          </p:stCondLst>
+                                        </p:cTn>
+                                        <p:tgtEl>
+                                          <p:spTgt spid="22"/>
+                                        </p:tgtEl>
+                                        <p:attrNameLst>
+                                          <p:attrName>style.visibility</p:attrName>
+                                        </p:attrNameLst>
+                                      </p:cBhvr>
+                                      <p:to>
+                                        <p:strVal val="visible"/>
+                                      </p:to>
+                                    </p:set>
+                                    <p:animEffect transition="in" filter="fade">
+                                      <p:cBhvr>
+                                        <p:cTn id="27" dur="500"/>
+                                        <p:tgtEl>
+                                          <p:spTgt spid="22"/>
+                                        </p:tgtEl>
+                                      </p:cBhvr>
+                                    </p:animEffect>
+                                  </p:childTnLst>
+                                </p:cTn>
+                              </p:par>
+                            </p:childTnLst>
+                          </p:cTn>
+                        </p:par>
+                        <p:par>
+                          <p:cTn id="28" fill="hold">
+                            <p:stCondLst>
+                              <p:cond delay="500"/>
+                            </p:stCondLst>
+                            <p:childTnLst>
+                              <p:par>
+                                <p:cTn id="29" presetID="10" presetClass="entr" presetSubtype="0" fill="hold" grpId="0" nodeType="afterEffect">
+                                  <p:stCondLst>
+                                    <p:cond delay="0"/>
+                                  </p:stCondLst>
+                                  <p:iterate type="lt">
+                                    <p:tmPct val="0"/>
+                                  </p:iterate>
+                                  <p:childTnLst>
+                                    <p:set>
+                                      <p:cBhvr>
+                                        <p:cTn id="30" dur="1" fill="hold">
+                                          <p:stCondLst>
+                                            <p:cond delay="0"/>
+                                          </p:stCondLst>
+                                        </p:cTn>
+                                        <p:tgtEl>
+                                          <p:spTgt spid="23"/>
+                                        </p:tgtEl>
+                                        <p:attrNameLst>
+                                          <p:attrName>style.visibility</p:attrName>
+                                        </p:attrNameLst>
+                                      </p:cBhvr>
+                                      <p:to>
+                                        <p:strVal val="visible"/>
+                                      </p:to>
+                                    </p:set>
+                                    <p:animEffect transition="in" filter="fade">
+                                      <p:cBhvr>
+                                        <p:cTn id="31" dur="500"/>
+                                        <p:tgtEl>
+                                          <p:spTgt spid="23"/>
+                                        </p:tgtEl>
+                                      </p:cBhvr>
+                                    </p:animEffect>
+                                  </p:childTnLst>
+                                </p:cTn>
+                              </p:par>
+                            </p:childTnLst>
+                          </p:cTn>
+                        </p:par>
+                        <p:par>
+                          <p:cTn id="32" fill="hold">
+                            <p:stCondLst>
+                              <p:cond delay="1000"/>
+                            </p:stCondLst>
+                            <p:childTnLst>
+                              <p:par>
+                                <p:cTn id="33" presetID="15" presetClass="emph" presetSubtype="0" grpId="1" nodeType="afterEffect">
+                                  <p:stCondLst>
+                                    <p:cond delay="0"/>
+                                  </p:stCondLst>
+                                  <p:iterate type="lt">
+                                    <p:tmAbs val="25"/>
+                                  </p:iterate>
+                                  <p:childTnLst>
+                                    <p:set>
+                                      <p:cBhvr override="childStyle">
+                                        <p:cTn id="34" dur="indefinite"/>
+                                        <p:tgtEl>
+                                          <p:spTgt spid="23"/>
+                                        </p:tgtEl>
+                                        <p:attrNameLst>
+                                          <p:attrName>style.fontWeight</p:attrName>
+                                        </p:attrNameLst>
+                                      </p:cBhvr>
+                                      <p:to>
+                                        <p:strVal val="bold"/>
+                                      </p:to>
+                                    </p:set>
+                                  </p:childTnLst>
+                                </p:cTn>
+                              </p:par>
+                            </p:childTnLst>
+                          </p:cTn>
+                        </p:par>
+                      </p:childTnLst>
+                    </p:cTn>
+                  </p:par>
+                  <p:par>
+                    <p:cTn id="35" fill="hold">
+                      <p:stCondLst>
+                        <p:cond delay="indefinite"/>
+                      </p:stCondLst>
+                      <p:childTnLst>
+                        <p:par>
+                          <p:cTn id="36" fill="hold">
+                            <p:stCondLst>
+                              <p:cond delay="0"/>
+                            </p:stCondLst>
+                            <p:childTnLst>
+                              <p:par>
+                                <p:cTn id="37" presetID="10" presetClass="entr" presetSubtype="0" fill="hold" grpId="0" nodeType="clickEffect">
+                                  <p:stCondLst>
+                                    <p:cond delay="0"/>
+                                  </p:stCondLst>
+                                  <p:childTnLst>
+                                    <p:set>
+                                      <p:cBhvr>
+                                        <p:cTn id="38" dur="1" fill="hold">
+                                          <p:stCondLst>
+                                            <p:cond delay="0"/>
+                                          </p:stCondLst>
+                                        </p:cTn>
+                                        <p:tgtEl>
+                                          <p:spTgt spid="24"/>
+                                        </p:tgtEl>
+                                        <p:attrNameLst>
+                                          <p:attrName>style.visibility</p:attrName>
+                                        </p:attrNameLst>
+                                      </p:cBhvr>
+                                      <p:to>
+                                        <p:strVal val="visible"/>
+                                      </p:to>
+                                    </p:set>
+                                    <p:animEffect transition="in" filter="fade">
+                                      <p:cBhvr>
+                                        <p:cTn id="39" dur="500"/>
+                                        <p:tgtEl>
+                                          <p:spTgt spid="24"/>
+                                        </p:tgtEl>
+                                      </p:cBhvr>
+                                    </p:animEffect>
+                                  </p:childTnLst>
+                                </p:cTn>
+                              </p:par>
+                            </p:childTnLst>
+                          </p:cTn>
+                        </p:par>
+                        <p:par>
+                          <p:cTn id="40" fill="hold">
+                            <p:stCondLst>
+                              <p:cond delay="500"/>
+                            </p:stCondLst>
+                            <p:childTnLst>
+                              <p:par>
+                                <p:cTn id="41" presetID="42" presetClass="entr" presetSubtype="0" fill="hold" grpId="0" nodeType="afterEffect">
+                                  <p:stCondLst>
+                                    <p:cond delay="0"/>
+                                  </p:stCondLst>
+                                  <p:childTnLst>
+                                    <p:set>
+                                      <p:cBhvr>
+                                        <p:cTn id="42" dur="1" fill="hold">
+                                          <p:stCondLst>
+                                            <p:cond delay="0"/>
+                                          </p:stCondLst>
+                                        </p:cTn>
+                                        <p:tgtEl>
+                                          <p:spTgt spid="25"/>
+                                        </p:tgtEl>
+                                        <p:attrNameLst>
+                                          <p:attrName>style.visibility</p:attrName>
+                                        </p:attrNameLst>
+                                      </p:cBhvr>
+                                      <p:to>
+                                        <p:strVal val="visible"/>
+                                      </p:to>
+                                    </p:set>
+                                    <p:animEffect transition="in" filter="fade">
+                                      <p:cBhvr>
+                                        <p:cTn id="43" dur="1000"/>
+                                        <p:tgtEl>
+                                          <p:spTgt spid="25"/>
+                                        </p:tgtEl>
+                                      </p:cBhvr>
+                                    </p:animEffect>
+                                    <p:anim calcmode="lin" valueType="num">
+                                      <p:cBhvr>
+                                        <p:cTn id="44" dur="1000" fill="hold"/>
+                                        <p:tgtEl>
+                                          <p:spTgt spid="25"/>
+                                        </p:tgtEl>
+                                        <p:attrNameLst>
+                                          <p:attrName>ppt_x</p:attrName>
+                                        </p:attrNameLst>
+                                      </p:cBhvr>
+                                      <p:tavLst>
+                                        <p:tav tm="0">
+                                          <p:val>
+                                            <p:strVal val="#ppt_x"/>
+                                          </p:val>
+                                        </p:tav>
+                                        <p:tav tm="100000">
+                                          <p:val>
+                                            <p:strVal val="#ppt_x"/>
+                                          </p:val>
+                                        </p:tav>
+                                      </p:tavLst>
+                                    </p:anim>
+                                    <p:anim calcmode="lin" valueType="num">
+                                      <p:cBhvr>
+                                        <p:cTn id="45" dur="1000" fill="hold"/>
+                                        <p:tgtEl>
+                                          <p:spTgt spid="25"/>
+                                        </p:tgtEl>
+                                        <p:attrNameLst>
+                                          <p:attrName>ppt_y</p:attrName>
+                                        </p:attrNameLst>
+                                      </p:cBhvr>
+                                      <p:tavLst>
+                                        <p:tav tm="0">
+                                          <p:val>
+                                            <p:strVal val="#ppt_y+.1"/>
+                                          </p:val>
+                                        </p:tav>
+                                        <p:tav tm="100000">
+                                          <p:val>
+                                            <p:strVal val="#ppt_y"/>
+                                          </p:val>
+                                        </p:tav>
+                                      </p:tavLst>
+                                    </p:anim>
+                                  </p:childTnLst>
+                                </p:cTn>
+                              </p:par>
+                            </p:childTnLst>
+                          </p:cTn>
+                        </p:par>
+                      </p:childTnLst>
+                    </p:cTn>
+                  </p:par>
+                </p:childTnLst>
+              </p:cTn>
+              <p:prevCondLst>
+                <p:cond evt="onPrev" delay="0">
+                  <p:tgtEl>
+                    <p:sldTgt/>
+                  </p:tgtEl>
+                </p:cond>
+              </p:prevCondLst>
+              <p:nextCondLst>
+                <p:cond evt="onNext" delay="0">
+                  <p:tgtEl>
+                    <p:sldTgt/>
+                  </p:tgtEl>
+                </p:cond>
+              </p:nextCondLst>
+            </p:seq>
+          </p:childTnLst>
+        </p:cTn>
       </p:par>
     </p:tnLst>
+    <p:bldLst>
+      <p:bldP spid="19" grpId="0" animBg="1"/>
+      <p:bldP spid="19" grpId="1" animBg="1"/>
+      <p:bldP spid="20" grpId="0" animBg="1"/>
+      <p:bldP spid="21" grpId="0" animBg="1"/>
+      <p:bldP spid="21" grpId="1" animBg="1"/>
+      <p:bldP spid="22" grpId="0" animBg="1"/>
+      <p:bldP spid="23" grpId="0" animBg="1"/>
+      <p:bldP spid="23" grpId="1" animBg="1"/>
+      <p:bldP spid="24" grpId="0" animBg="1"/>
+      <p:bldP spid="25" grpId="0"/>
+    </p:bldLst>
   </p:timing>
 </p:sld>
 </file>
@@ -4927,7 +6352,7 @@
         </p:blipFill>
         <p:spPr bwMode="auto">
           <a:xfrm>
-            <a:off x="4184486" y="1357365"/>
+            <a:off x="4287048" y="1290031"/>
             <a:ext cx="3072607" cy="1301578"/>
           </a:xfrm>
           <a:prstGeom prst="rect">
@@ -5035,7 +6460,7 @@
         </p:blipFill>
         <p:spPr>
           <a:xfrm>
-            <a:off x="5792400" y="4264446"/>
+            <a:off x="5695882" y="4293498"/>
             <a:ext cx="1011336" cy="621052"/>
           </a:xfrm>
           <a:prstGeom prst="rect">
@@ -5111,8 +6536,8 @@
         </p:nvSpPr>
         <p:spPr>
           <a:xfrm>
-            <a:off x="4883410" y="2215624"/>
-            <a:ext cx="2436886" cy="369332"/>
+            <a:off x="4970774" y="2147957"/>
+            <a:ext cx="2262158" cy="369332"/>
           </a:xfrm>
           <a:prstGeom prst="rect">
             <a:avLst/>
@@ -5126,46 +6551,17 @@
           <a:lstStyle/>
           <a:p>
             <a:r>
-              <a:rPr kumimoji="1" lang="en-US" altLang="ja-JP" b="1" dirty="0" smtClean="0">
-                <a:solidFill>
-                  <a:srgbClr val="00458A"/>
-                </a:solidFill>
-              </a:rPr>
-              <a:t>(</a:t>
-            </a:r>
-            <a:r>
-              <a:rPr kumimoji="1" lang="ja-JP" altLang="en-US" b="1" dirty="0" smtClean="0">
-                <a:solidFill>
-                  <a:srgbClr val="00458A"/>
-                </a:solidFill>
-              </a:rPr>
+              <a:rPr kumimoji="1" lang="ja-JP" altLang="en-US" b="1" dirty="0" smtClean="0"/>
               <a:t>シグナリング</a:t>
             </a:r>
             <a:r>
               <a:rPr kumimoji="1" lang="ja-JP" altLang="en-US" dirty="0" smtClean="0">
-                <a:solidFill>
-                  <a:srgbClr val="00458A"/>
-                </a:solidFill>
                 <a:latin typeface="HGSｺﾞｼｯｸE" panose="020B0900000000000000" pitchFamily="50" charset="-128"/>
                 <a:ea typeface="HGSｺﾞｼｯｸE" panose="020B0900000000000000" pitchFamily="50" charset="-128"/>
               </a:rPr>
               <a:t>サーバ</a:t>
             </a:r>
-            <a:r>
-              <a:rPr kumimoji="1" lang="en-US" altLang="ja-JP" dirty="0" smtClean="0">
-                <a:solidFill>
-                  <a:srgbClr val="00458A"/>
-                </a:solidFill>
-                <a:latin typeface="HGSｺﾞｼｯｸE" panose="020B0900000000000000" pitchFamily="50" charset="-128"/>
-                <a:ea typeface="HGSｺﾞｼｯｸE" panose="020B0900000000000000" pitchFamily="50" charset="-128"/>
-              </a:rPr>
-              <a:t>)</a:t>
-            </a:r>
-            <a:endParaRPr kumimoji="1" lang="ja-JP" altLang="en-US" b="1" dirty="0">
-              <a:solidFill>
-                <a:srgbClr val="00458A"/>
-              </a:solidFill>
-            </a:endParaRPr>
+            <a:endParaRPr kumimoji="1" lang="ja-JP" altLang="en-US" b="1" dirty="0"/>
           </a:p>
         </p:txBody>
       </p:sp>
@@ -5508,9 +6904,137 @@
   <p:timing>
     <p:tnLst>
       <p:par>
-        <p:cTn id="1" dur="indefinite" restart="never" nodeType="tmRoot"/>
+        <p:cTn id="1" dur="indefinite" restart="never" nodeType="tmRoot">
+          <p:childTnLst>
+            <p:seq concurrent="1" nextAc="seek">
+              <p:cTn id="2" dur="indefinite" nodeType="mainSeq">
+                <p:childTnLst>
+                  <p:par>
+                    <p:cTn id="3" fill="hold">
+                      <p:stCondLst>
+                        <p:cond delay="indefinite"/>
+                        <p:cond evt="onBegin" delay="0">
+                          <p:tn val="2"/>
+                        </p:cond>
+                      </p:stCondLst>
+                      <p:childTnLst>
+                        <p:par>
+                          <p:cTn id="4" fill="hold">
+                            <p:stCondLst>
+                              <p:cond delay="0"/>
+                            </p:stCondLst>
+                            <p:childTnLst>
+                              <p:par>
+                                <p:cTn id="5" presetID="42" presetClass="entr" presetSubtype="0" fill="hold" grpId="0" nodeType="afterEffect">
+                                  <p:stCondLst>
+                                    <p:cond delay="0"/>
+                                  </p:stCondLst>
+                                  <p:childTnLst>
+                                    <p:set>
+                                      <p:cBhvr>
+                                        <p:cTn id="6" dur="1" fill="hold">
+                                          <p:stCondLst>
+                                            <p:cond delay="0"/>
+                                          </p:stCondLst>
+                                        </p:cTn>
+                                        <p:tgtEl>
+                                          <p:spTgt spid="7"/>
+                                        </p:tgtEl>
+                                        <p:attrNameLst>
+                                          <p:attrName>style.visibility</p:attrName>
+                                        </p:attrNameLst>
+                                      </p:cBhvr>
+                                      <p:to>
+                                        <p:strVal val="visible"/>
+                                      </p:to>
+                                    </p:set>
+                                    <p:animEffect transition="in" filter="fade">
+                                      <p:cBhvr>
+                                        <p:cTn id="7" dur="1000"/>
+                                        <p:tgtEl>
+                                          <p:spTgt spid="7"/>
+                                        </p:tgtEl>
+                                      </p:cBhvr>
+                                    </p:animEffect>
+                                    <p:anim calcmode="lin" valueType="num">
+                                      <p:cBhvr>
+                                        <p:cTn id="8" dur="1000" fill="hold"/>
+                                        <p:tgtEl>
+                                          <p:spTgt spid="7"/>
+                                        </p:tgtEl>
+                                        <p:attrNameLst>
+                                          <p:attrName>ppt_x</p:attrName>
+                                        </p:attrNameLst>
+                                      </p:cBhvr>
+                                      <p:tavLst>
+                                        <p:tav tm="0">
+                                          <p:val>
+                                            <p:strVal val="#ppt_x"/>
+                                          </p:val>
+                                        </p:tav>
+                                        <p:tav tm="100000">
+                                          <p:val>
+                                            <p:strVal val="#ppt_x"/>
+                                          </p:val>
+                                        </p:tav>
+                                      </p:tavLst>
+                                    </p:anim>
+                                    <p:anim calcmode="lin" valueType="num">
+                                      <p:cBhvr>
+                                        <p:cTn id="9" dur="1000" fill="hold"/>
+                                        <p:tgtEl>
+                                          <p:spTgt spid="7"/>
+                                        </p:tgtEl>
+                                        <p:attrNameLst>
+                                          <p:attrName>ppt_y</p:attrName>
+                                        </p:attrNameLst>
+                                      </p:cBhvr>
+                                      <p:tavLst>
+                                        <p:tav tm="0">
+                                          <p:val>
+                                            <p:strVal val="#ppt_y+.1"/>
+                                          </p:val>
+                                        </p:tav>
+                                        <p:tav tm="100000">
+                                          <p:val>
+                                            <p:strVal val="#ppt_y"/>
+                                          </p:val>
+                                        </p:tav>
+                                      </p:tavLst>
+                                    </p:anim>
+                                  </p:childTnLst>
+                                </p:cTn>
+                              </p:par>
+                            </p:childTnLst>
+                          </p:cTn>
+                        </p:par>
+                      </p:childTnLst>
+                    </p:cTn>
+                  </p:par>
+                </p:childTnLst>
+              </p:cTn>
+              <p:prevCondLst>
+                <p:cond evt="onPrev" delay="0">
+                  <p:tgtEl>
+                    <p:sldTgt/>
+                  </p:tgtEl>
+                </p:cond>
+              </p:prevCondLst>
+              <p:nextCondLst>
+                <p:cond evt="onNext" delay="0">
+                  <p:tgtEl>
+                    <p:sldTgt/>
+                  </p:tgtEl>
+                </p:cond>
+              </p:nextCondLst>
+            </p:seq>
+          </p:childTnLst>
+        </p:cTn>
       </p:par>
     </p:tnLst>
+    <p:bldLst>
+      <p:bldP spid="7" grpId="0"/>
+    </p:bldLst>
   </p:timing>
 </p:sld>
 </file>
@@ -5909,7 +7433,7 @@
         </p:nvSpPr>
         <p:spPr>
           <a:xfrm>
-            <a:off x="6101853" y="3648537"/>
+            <a:off x="5949132" y="3680846"/>
             <a:ext cx="1814920" cy="369332"/>
           </a:xfrm>
           <a:prstGeom prst="rect">
@@ -5924,44 +7448,25 @@
           <a:lstStyle/>
           <a:p>
             <a:r>
-              <a:rPr kumimoji="1" lang="ja-JP" altLang="en-US" b="1" dirty="0" smtClean="0">
-                <a:solidFill>
-                  <a:srgbClr val="00458A"/>
-                </a:solidFill>
-              </a:rPr>
+              <a:rPr kumimoji="1" lang="ja-JP" altLang="en-US" b="1" dirty="0" smtClean="0"/>
               <a:t>（</a:t>
             </a:r>
             <a:r>
-              <a:rPr kumimoji="1" lang="en-US" altLang="ja-JP" b="1" dirty="0" smtClean="0">
-                <a:solidFill>
-                  <a:srgbClr val="00458A"/>
-                </a:solidFill>
-              </a:rPr>
+              <a:rPr kumimoji="1" lang="en-US" altLang="ja-JP" b="1" dirty="0" smtClean="0"/>
               <a:t>SFU</a:t>
             </a:r>
             <a:r>
               <a:rPr kumimoji="1" lang="ja-JP" altLang="en-US" dirty="0" smtClean="0">
-                <a:solidFill>
-                  <a:srgbClr val="00458A"/>
-                </a:solidFill>
                 <a:latin typeface="HGSｺﾞｼｯｸE" panose="020B0900000000000000" pitchFamily="50" charset="-128"/>
                 <a:ea typeface="HGSｺﾞｼｯｸE" panose="020B0900000000000000" pitchFamily="50" charset="-128"/>
               </a:rPr>
               <a:t>サーバ</a:t>
             </a:r>
             <a:r>
-              <a:rPr kumimoji="1" lang="ja-JP" altLang="en-US" b="1" dirty="0" smtClean="0">
-                <a:solidFill>
-                  <a:srgbClr val="00458A"/>
-                </a:solidFill>
-              </a:rPr>
+              <a:rPr kumimoji="1" lang="ja-JP" altLang="en-US" b="1" dirty="0" smtClean="0"/>
               <a:t>）</a:t>
             </a:r>
-            <a:endParaRPr kumimoji="1" lang="ja-JP" altLang="en-US" b="1" dirty="0">
-              <a:solidFill>
-                <a:srgbClr val="00458A"/>
-              </a:solidFill>
-            </a:endParaRPr>
+            <a:endParaRPr kumimoji="1" lang="ja-JP" altLang="en-US" b="1" dirty="0"/>
           </a:p>
         </p:txBody>
       </p:sp>
@@ -6128,9 +7633,137 @@
   <p:timing>
     <p:tnLst>
       <p:par>
-        <p:cTn id="1" dur="indefinite" restart="never" nodeType="tmRoot"/>
+        <p:cTn id="1" dur="indefinite" restart="never" nodeType="tmRoot">
+          <p:childTnLst>
+            <p:seq concurrent="1" nextAc="seek">
+              <p:cTn id="2" dur="indefinite" nodeType="mainSeq">
+                <p:childTnLst>
+                  <p:par>
+                    <p:cTn id="3" fill="hold">
+                      <p:stCondLst>
+                        <p:cond delay="indefinite"/>
+                        <p:cond evt="onBegin" delay="0">
+                          <p:tn val="2"/>
+                        </p:cond>
+                      </p:stCondLst>
+                      <p:childTnLst>
+                        <p:par>
+                          <p:cTn id="4" fill="hold">
+                            <p:stCondLst>
+                              <p:cond delay="0"/>
+                            </p:stCondLst>
+                            <p:childTnLst>
+                              <p:par>
+                                <p:cTn id="5" presetID="42" presetClass="entr" presetSubtype="0" fill="hold" grpId="0" nodeType="afterEffect">
+                                  <p:stCondLst>
+                                    <p:cond delay="0"/>
+                                  </p:stCondLst>
+                                  <p:childTnLst>
+                                    <p:set>
+                                      <p:cBhvr>
+                                        <p:cTn id="6" dur="1" fill="hold">
+                                          <p:stCondLst>
+                                            <p:cond delay="0"/>
+                                          </p:stCondLst>
+                                        </p:cTn>
+                                        <p:tgtEl>
+                                          <p:spTgt spid="7"/>
+                                        </p:tgtEl>
+                                        <p:attrNameLst>
+                                          <p:attrName>style.visibility</p:attrName>
+                                        </p:attrNameLst>
+                                      </p:cBhvr>
+                                      <p:to>
+                                        <p:strVal val="visible"/>
+                                      </p:to>
+                                    </p:set>
+                                    <p:animEffect transition="in" filter="fade">
+                                      <p:cBhvr>
+                                        <p:cTn id="7" dur="1000"/>
+                                        <p:tgtEl>
+                                          <p:spTgt spid="7"/>
+                                        </p:tgtEl>
+                                      </p:cBhvr>
+                                    </p:animEffect>
+                                    <p:anim calcmode="lin" valueType="num">
+                                      <p:cBhvr>
+                                        <p:cTn id="8" dur="1000" fill="hold"/>
+                                        <p:tgtEl>
+                                          <p:spTgt spid="7"/>
+                                        </p:tgtEl>
+                                        <p:attrNameLst>
+                                          <p:attrName>ppt_x</p:attrName>
+                                        </p:attrNameLst>
+                                      </p:cBhvr>
+                                      <p:tavLst>
+                                        <p:tav tm="0">
+                                          <p:val>
+                                            <p:strVal val="#ppt_x"/>
+                                          </p:val>
+                                        </p:tav>
+                                        <p:tav tm="100000">
+                                          <p:val>
+                                            <p:strVal val="#ppt_x"/>
+                                          </p:val>
+                                        </p:tav>
+                                      </p:tavLst>
+                                    </p:anim>
+                                    <p:anim calcmode="lin" valueType="num">
+                                      <p:cBhvr>
+                                        <p:cTn id="9" dur="1000" fill="hold"/>
+                                        <p:tgtEl>
+                                          <p:spTgt spid="7"/>
+                                        </p:tgtEl>
+                                        <p:attrNameLst>
+                                          <p:attrName>ppt_y</p:attrName>
+                                        </p:attrNameLst>
+                                      </p:cBhvr>
+                                      <p:tavLst>
+                                        <p:tav tm="0">
+                                          <p:val>
+                                            <p:strVal val="#ppt_y+.1"/>
+                                          </p:val>
+                                        </p:tav>
+                                        <p:tav tm="100000">
+                                          <p:val>
+                                            <p:strVal val="#ppt_y"/>
+                                          </p:val>
+                                        </p:tav>
+                                      </p:tavLst>
+                                    </p:anim>
+                                  </p:childTnLst>
+                                </p:cTn>
+                              </p:par>
+                            </p:childTnLst>
+                          </p:cTn>
+                        </p:par>
+                      </p:childTnLst>
+                    </p:cTn>
+                  </p:par>
+                </p:childTnLst>
+              </p:cTn>
+              <p:prevCondLst>
+                <p:cond evt="onPrev" delay="0">
+                  <p:tgtEl>
+                    <p:sldTgt/>
+                  </p:tgtEl>
+                </p:cond>
+              </p:prevCondLst>
+              <p:nextCondLst>
+                <p:cond evt="onNext" delay="0">
+                  <p:tgtEl>
+                    <p:sldTgt/>
+                  </p:tgtEl>
+                </p:cond>
+              </p:nextCondLst>
+            </p:seq>
+          </p:childTnLst>
+        </p:cTn>
       </p:par>
     </p:tnLst>
+    <p:bldLst>
+      <p:bldP spid="7" grpId="0"/>
+    </p:bldLst>
   </p:timing>
 </p:sld>
 </file>
@@ -6154,14 +7787,142 @@
       </p:grpSpPr>
       <p:sp>
         <p:nvSpPr>
-          <p:cNvPr id="12" name="テキスト ボックス 11"/>
+          <p:cNvPr id="3" name="正方形/長方形 2"/>
+          <p:cNvSpPr/>
+          <p:nvPr/>
+        </p:nvSpPr>
+        <p:spPr>
+          <a:xfrm>
+            <a:off x="0" y="-4695"/>
+            <a:ext cx="12192000" cy="6858000"/>
+          </a:xfrm>
+          <a:prstGeom prst="rect">
+            <a:avLst/>
+          </a:prstGeom>
+          <a:solidFill>
+            <a:srgbClr val="FCEAD1"/>
+          </a:solidFill>
+          <a:ln>
+            <a:noFill/>
+          </a:ln>
+        </p:spPr>
+        <p:style>
+          <a:lnRef idx="2">
+            <a:schemeClr val="accent1">
+              <a:shade val="50000"/>
+            </a:schemeClr>
+          </a:lnRef>
+          <a:fillRef idx="1">
+            <a:schemeClr val="accent1"/>
+          </a:fillRef>
+          <a:effectRef idx="0">
+            <a:schemeClr val="accent1"/>
+          </a:effectRef>
+          <a:fontRef idx="minor">
+            <a:schemeClr val="lt1"/>
+          </a:fontRef>
+        </p:style>
+        <p:txBody>
+          <a:bodyPr rtlCol="0" anchor="ctr"/>
+          <a:lstStyle/>
+          <a:p>
+            <a:pPr algn="ctr"/>
+            <a:endParaRPr kumimoji="1" lang="ja-JP" altLang="en-US" sz="3600" dirty="0">
+              <a:solidFill>
+                <a:srgbClr val="4C464C"/>
+              </a:solidFill>
+              <a:latin typeface="HGSｺﾞｼｯｸE" panose="020B0900000000000000" pitchFamily="50" charset="-128"/>
+              <a:ea typeface="HGSｺﾞｼｯｸE" panose="020B0900000000000000" pitchFamily="50" charset="-128"/>
+            </a:endParaRPr>
+          </a:p>
+        </p:txBody>
+      </p:sp>
+      <p:cxnSp>
+        <p:nvCxnSpPr>
+          <p:cNvPr id="4" name="直線コネクタ 3"/>
+          <p:cNvCxnSpPr/>
+          <p:nvPr/>
+        </p:nvCxnSpPr>
+        <p:spPr>
+          <a:xfrm>
+            <a:off x="519545" y="727363"/>
+            <a:ext cx="11042376" cy="0"/>
+          </a:xfrm>
+          <a:prstGeom prst="line">
+            <a:avLst/>
+          </a:prstGeom>
+          <a:ln w="22225">
+            <a:solidFill>
+              <a:srgbClr val="AB9B8A"/>
+            </a:solidFill>
+          </a:ln>
+        </p:spPr>
+        <p:style>
+          <a:lnRef idx="1">
+            <a:schemeClr val="accent1"/>
+          </a:lnRef>
+          <a:fillRef idx="0">
+            <a:schemeClr val="accent1"/>
+          </a:fillRef>
+          <a:effectRef idx="0">
+            <a:schemeClr val="accent1"/>
+          </a:effectRef>
+          <a:fontRef idx="minor">
+            <a:schemeClr val="tx1"/>
+          </a:fontRef>
+        </p:style>
+      </p:cxnSp>
+      <p:cxnSp>
+        <p:nvCxnSpPr>
+          <p:cNvPr id="6" name="直線コネクタ 5"/>
+          <p:cNvCxnSpPr/>
+          <p:nvPr/>
+        </p:nvCxnSpPr>
+        <p:spPr>
+          <a:xfrm>
+            <a:off x="519545" y="779789"/>
+            <a:ext cx="11042376" cy="0"/>
+          </a:xfrm>
+          <a:prstGeom prst="line">
+            <a:avLst/>
+          </a:prstGeom>
+          <a:ln w="22225">
+            <a:solidFill>
+              <a:srgbClr val="594C43"/>
+            </a:solidFill>
+          </a:ln>
+        </p:spPr>
+        <p:style>
+          <a:lnRef idx="1">
+            <a:schemeClr val="accent1"/>
+          </a:lnRef>
+          <a:fillRef idx="0">
+            <a:schemeClr val="accent1"/>
+          </a:fillRef>
+          <a:effectRef idx="0">
+            <a:schemeClr val="accent1"/>
+          </a:effectRef>
+          <a:fontRef idx="minor">
+            <a:schemeClr val="tx1"/>
+          </a:fontRef>
+        </p:style>
+      </p:cxnSp>
+      <p:sp>
+        <p:nvSpPr>
+          <p:cNvPr id="7" name="テキスト ボックス 6">
+            <a:extLst>
+              <a:ext uri="{FF2B5EF4-FFF2-40B4-BE49-F238E27FC236}">
+                <a16:creationId xmlns:a16="http://schemas.microsoft.com/office/drawing/2014/main" id="{AC0385A7-0901-460A-88BE-0CC61EE9D377}"/>
+              </a:ext>
+            </a:extLst>
+          </p:cNvPr>
           <p:cNvSpPr txBox="1"/>
           <p:nvPr/>
         </p:nvSpPr>
         <p:spPr>
           <a:xfrm>
-            <a:off x="1625351" y="2828835"/>
-            <a:ext cx="10566649" cy="1200329"/>
+            <a:off x="519545" y="86463"/>
+            <a:ext cx="2031325" cy="646331"/>
           </a:xfrm>
           <a:prstGeom prst="rect">
             <a:avLst/>
@@ -6169,45 +7930,95 @@
           <a:noFill/>
         </p:spPr>
         <p:txBody>
-          <a:bodyPr wrap="square" rtlCol="0">
+          <a:bodyPr wrap="none" rtlCol="0">
             <a:spAutoFit/>
           </a:bodyPr>
           <a:lstStyle/>
           <a:p>
             <a:r>
-              <a:rPr lang="ja-JP" altLang="en-US" sz="7200" dirty="0">
-                <a:ln w="6350">
-                  <a:noFill/>
-                </a:ln>
+              <a:rPr lang="ja-JP" altLang="en-US" sz="3600" dirty="0" smtClean="0">
                 <a:solidFill>
-                  <a:srgbClr val="404040"/>
+                  <a:schemeClr val="tx1">
+                    <a:lumMod val="75000"/>
+                    <a:lumOff val="25000"/>
+                  </a:schemeClr>
                 </a:solidFill>
+                <a:latin typeface="HGSｺﾞｼｯｸE" panose="020B0900000000000000" pitchFamily="50" charset="-128"/>
                 <a:ea typeface="HGSｺﾞｼｯｸE" panose="020B0900000000000000" pitchFamily="50" charset="-128"/>
               </a:rPr>
-              <a:t>デモンストレーション</a:t>
-            </a:r>
-            <a:endParaRPr kumimoji="1" lang="ja-JP" altLang="en-US" sz="7200" b="1" dirty="0">
-              <a:ln w="6350">
-                <a:noFill/>
-              </a:ln>
+              <a:t>開発言語</a:t>
+            </a:r>
+            <a:endParaRPr kumimoji="1" lang="ja-JP" altLang="en-US" sz="3600" dirty="0">
               <a:solidFill>
-                <a:srgbClr val="404040"/>
+                <a:schemeClr val="tx1">
+                  <a:lumMod val="75000"/>
+                  <a:lumOff val="25000"/>
+                </a:schemeClr>
               </a:solidFill>
+              <a:latin typeface="HGSｺﾞｼｯｸE" panose="020B0900000000000000" pitchFamily="50" charset="-128"/>
               <a:ea typeface="HGSｺﾞｼｯｸE" panose="020B0900000000000000" pitchFamily="50" charset="-128"/>
             </a:endParaRPr>
+          </a:p>
+        </p:txBody>
+      </p:sp>
+      <p:sp>
+        <p:nvSpPr>
+          <p:cNvPr id="8" name="角丸四角形 7"/>
+          <p:cNvSpPr/>
+          <p:nvPr/>
+        </p:nvSpPr>
+        <p:spPr>
+          <a:xfrm>
+            <a:off x="785857" y="1230371"/>
+            <a:ext cx="10620285" cy="4094018"/>
+          </a:xfrm>
+          <a:prstGeom prst="roundRect">
+            <a:avLst/>
+          </a:prstGeom>
+          <a:solidFill>
+            <a:srgbClr val="FFFFFF"/>
+          </a:solidFill>
+          <a:ln w="76200" cap="rnd">
+            <a:solidFill>
+              <a:srgbClr val="7030A0"/>
+            </a:solidFill>
+          </a:ln>
+        </p:spPr>
+        <p:style>
+          <a:lnRef idx="2">
+            <a:schemeClr val="accent1">
+              <a:shade val="50000"/>
+            </a:schemeClr>
+          </a:lnRef>
+          <a:fillRef idx="1">
+            <a:schemeClr val="accent1"/>
+          </a:fillRef>
+          <a:effectRef idx="0">
+            <a:schemeClr val="accent1"/>
+          </a:effectRef>
+          <a:fontRef idx="minor">
+            <a:schemeClr val="lt1"/>
+          </a:fontRef>
+        </p:style>
+        <p:txBody>
+          <a:bodyPr rtlCol="0" anchor="ctr"/>
+          <a:lstStyle/>
+          <a:p>
+            <a:pPr algn="ctr"/>
+            <a:endParaRPr kumimoji="1" lang="ja-JP" altLang="en-US"/>
           </a:p>
         </p:txBody>
       </p:sp>
       <p:pic>
         <p:nvPicPr>
-          <p:cNvPr id="10" name="図 9"/>
+          <p:cNvPr id="5" name="図 4"/>
           <p:cNvPicPr>
             <a:picLocks noChangeAspect="1"/>
           </p:cNvPicPr>
           <p:nvPr/>
         </p:nvPicPr>
         <p:blipFill>
-          <a:blip r:embed="rId2">
+          <a:blip r:embed="rId2" cstate="print">
             <a:extLst>
               <a:ext uri="{28A0092B-C50C-407E-A947-70E740481C1C}">
                 <a14:useLocalDpi xmlns:a14="http://schemas.microsoft.com/office/drawing/2010/main" val="0"/>
@@ -6220,8 +8031,185 @@
         </p:blipFill>
         <p:spPr>
           <a:xfrm>
-            <a:off x="587766" y="186294"/>
-            <a:ext cx="2484206" cy="547987"/>
+            <a:off x="5025069" y="1908185"/>
+            <a:ext cx="2031325" cy="1068985"/>
+          </a:xfrm>
+          <a:prstGeom prst="rect">
+            <a:avLst/>
+          </a:prstGeom>
+        </p:spPr>
+      </p:pic>
+      <p:pic>
+        <p:nvPicPr>
+          <p:cNvPr id="11" name="図 10"/>
+          <p:cNvPicPr>
+            <a:picLocks noChangeAspect="1"/>
+          </p:cNvPicPr>
+          <p:nvPr/>
+        </p:nvPicPr>
+        <p:blipFill>
+          <a:blip r:embed="rId3">
+            <a:extLst>
+              <a:ext uri="{28A0092B-C50C-407E-A947-70E740481C1C}">
+                <a14:useLocalDpi xmlns:a14="http://schemas.microsoft.com/office/drawing/2010/main" val="0"/>
+              </a:ext>
+            </a:extLst>
+          </a:blip>
+          <a:stretch>
+            <a:fillRect/>
+          </a:stretch>
+        </p:blipFill>
+        <p:spPr>
+          <a:xfrm>
+            <a:off x="3961029" y="3281699"/>
+            <a:ext cx="4159404" cy="1965995"/>
+          </a:xfrm>
+          <a:prstGeom prst="rect">
+            <a:avLst/>
+          </a:prstGeom>
+        </p:spPr>
+      </p:pic>
+      <p:sp>
+        <p:nvSpPr>
+          <p:cNvPr id="12" name="テキスト ボックス 11"/>
+          <p:cNvSpPr txBox="1"/>
+          <p:nvPr/>
+        </p:nvSpPr>
+        <p:spPr>
+          <a:xfrm>
+            <a:off x="1606657" y="5704126"/>
+            <a:ext cx="10585343" cy="769441"/>
+          </a:xfrm>
+          <a:prstGeom prst="rect">
+            <a:avLst/>
+          </a:prstGeom>
+          <a:noFill/>
+        </p:spPr>
+        <p:txBody>
+          <a:bodyPr wrap="square" rtlCol="0">
+            <a:spAutoFit/>
+          </a:bodyPr>
+          <a:lstStyle/>
+          <a:p>
+            <a:r>
+              <a:rPr kumimoji="1" lang="en-US" altLang="ja-JP" sz="4400" b="1" dirty="0" smtClean="0">
+                <a:solidFill>
+                  <a:srgbClr val="404040"/>
+                </a:solidFill>
+                <a:ea typeface="HGSｺﾞｼｯｸE" panose="020B0900000000000000" pitchFamily="50" charset="-128"/>
+              </a:rPr>
+              <a:t>HTML , CSS </a:t>
+            </a:r>
+            <a:r>
+              <a:rPr lang="en-US" altLang="ja-JP" sz="4400" b="1" dirty="0" smtClean="0">
+                <a:solidFill>
+                  <a:srgbClr val="404040"/>
+                </a:solidFill>
+                <a:ea typeface="HGSｺﾞｼｯｸE" panose="020B0900000000000000" pitchFamily="50" charset="-128"/>
+              </a:rPr>
+              <a:t>, </a:t>
+            </a:r>
+            <a:r>
+              <a:rPr kumimoji="1" lang="en-US" altLang="ja-JP" sz="4400" b="1" dirty="0" smtClean="0">
+                <a:solidFill>
+                  <a:srgbClr val="404040"/>
+                </a:solidFill>
+                <a:ea typeface="HGSｺﾞｼｯｸE" panose="020B0900000000000000" pitchFamily="50" charset="-128"/>
+              </a:rPr>
+              <a:t>JavaScript </a:t>
+            </a:r>
+            <a:r>
+              <a:rPr lang="en-US" altLang="ja-JP" sz="4400" b="1" dirty="0" smtClean="0">
+                <a:solidFill>
+                  <a:srgbClr val="404040"/>
+                </a:solidFill>
+                <a:ea typeface="HGSｺﾞｼｯｸE" panose="020B0900000000000000" pitchFamily="50" charset="-128"/>
+              </a:rPr>
+              <a:t>, </a:t>
+            </a:r>
+            <a:r>
+              <a:rPr kumimoji="1" lang="en-US" altLang="ja-JP" sz="4400" b="1" dirty="0" smtClean="0">
+                <a:solidFill>
+                  <a:srgbClr val="404040"/>
+                </a:solidFill>
+                <a:ea typeface="HGSｺﾞｼｯｸE" panose="020B0900000000000000" pitchFamily="50" charset="-128"/>
+              </a:rPr>
+              <a:t>PHP</a:t>
+            </a:r>
+            <a:endParaRPr kumimoji="1" lang="ja-JP" altLang="en-US" sz="4400" b="1" dirty="0">
+              <a:solidFill>
+                <a:srgbClr val="404040"/>
+              </a:solidFill>
+              <a:ea typeface="HGSｺﾞｼｯｸE" panose="020B0900000000000000" pitchFamily="50" charset="-128"/>
+            </a:endParaRPr>
+          </a:p>
+        </p:txBody>
+      </p:sp>
+      <p:pic>
+        <p:nvPicPr>
+          <p:cNvPr id="3076" name="Picture 4" descr="Splash Vector Graphics on your Responsive Site - HTML5 Rocks"/>
+          <p:cNvPicPr>
+            <a:picLocks noChangeAspect="1" noChangeArrowheads="1"/>
+          </p:cNvPicPr>
+          <p:nvPr/>
+        </p:nvPicPr>
+        <p:blipFill>
+          <a:blip r:embed="rId4" cstate="print">
+            <a:extLst>
+              <a:ext uri="{28A0092B-C50C-407E-A947-70E740481C1C}">
+                <a14:useLocalDpi xmlns:a14="http://schemas.microsoft.com/office/drawing/2010/main" val="0"/>
+              </a:ext>
+            </a:extLst>
+          </a:blip>
+          <a:srcRect/>
+          <a:stretch>
+            <a:fillRect/>
+          </a:stretch>
+        </p:blipFill>
+        <p:spPr bwMode="auto">
+          <a:xfrm>
+            <a:off x="1739360" y="1910032"/>
+            <a:ext cx="2579084" cy="1611928"/>
+          </a:xfrm>
+          <a:prstGeom prst="rect">
+            <a:avLst/>
+          </a:prstGeom>
+          <a:noFill/>
+          <a:extLst>
+            <a:ext uri="{909E8E84-426E-40DD-AFC4-6F175D3DCCD1}">
+              <a14:hiddenFill xmlns:a14="http://schemas.microsoft.com/office/drawing/2010/main">
+                <a:solidFill>
+                  <a:srgbClr val="FFFFFF"/>
+                </a:solidFill>
+              </a14:hiddenFill>
+            </a:ext>
+          </a:extLst>
+        </p:spPr>
+      </p:pic>
+      <p:pic>
+        <p:nvPicPr>
+          <p:cNvPr id="2" name="図 1"/>
+          <p:cNvPicPr>
+            <a:picLocks noChangeAspect="1"/>
+          </p:cNvPicPr>
+          <p:nvPr/>
+        </p:nvPicPr>
+        <p:blipFill>
+          <a:blip r:embed="rId5" cstate="print">
+            <a:extLst>
+              <a:ext uri="{28A0092B-C50C-407E-A947-70E740481C1C}">
+                <a14:useLocalDpi xmlns:a14="http://schemas.microsoft.com/office/drawing/2010/main" val="0"/>
+              </a:ext>
+            </a:extLst>
+          </a:blip>
+          <a:stretch>
+            <a:fillRect/>
+          </a:stretch>
+        </p:blipFill>
+        <p:spPr>
+          <a:xfrm>
+            <a:off x="7345834" y="1531585"/>
+            <a:ext cx="3550523" cy="2368822"/>
           </a:xfrm>
           <a:prstGeom prst="rect">
             <a:avLst/>
@@ -6231,7 +8219,7 @@
     </p:spTree>
     <p:extLst>
       <p:ext uri="{BB962C8B-B14F-4D97-AF65-F5344CB8AC3E}">
-        <p14:creationId xmlns:p14="http://schemas.microsoft.com/office/powerpoint/2010/main" val="2849647762"/>
+        <p14:creationId xmlns:p14="http://schemas.microsoft.com/office/powerpoint/2010/main" val="1086658026"/>
       </p:ext>
     </p:extLst>
   </p:cSld>
@@ -6241,9 +8229,137 @@
   <p:timing>
     <p:tnLst>
       <p:par>
-        <p:cTn id="1" dur="indefinite" restart="never" nodeType="tmRoot"/>
+        <p:cTn id="1" dur="indefinite" restart="never" nodeType="tmRoot">
+          <p:childTnLst>
+            <p:seq concurrent="1" nextAc="seek">
+              <p:cTn id="2" dur="indefinite" nodeType="mainSeq">
+                <p:childTnLst>
+                  <p:par>
+                    <p:cTn id="3" fill="hold">
+                      <p:stCondLst>
+                        <p:cond delay="indefinite"/>
+                        <p:cond evt="onBegin" delay="0">
+                          <p:tn val="2"/>
+                        </p:cond>
+                      </p:stCondLst>
+                      <p:childTnLst>
+                        <p:par>
+                          <p:cTn id="4" fill="hold">
+                            <p:stCondLst>
+                              <p:cond delay="0"/>
+                            </p:stCondLst>
+                            <p:childTnLst>
+                              <p:par>
+                                <p:cTn id="5" presetID="42" presetClass="entr" presetSubtype="0" fill="hold" grpId="0" nodeType="afterEffect">
+                                  <p:stCondLst>
+                                    <p:cond delay="0"/>
+                                  </p:stCondLst>
+                                  <p:childTnLst>
+                                    <p:set>
+                                      <p:cBhvr>
+                                        <p:cTn id="6" dur="1" fill="hold">
+                                          <p:stCondLst>
+                                            <p:cond delay="0"/>
+                                          </p:stCondLst>
+                                        </p:cTn>
+                                        <p:tgtEl>
+                                          <p:spTgt spid="7"/>
+                                        </p:tgtEl>
+                                        <p:attrNameLst>
+                                          <p:attrName>style.visibility</p:attrName>
+                                        </p:attrNameLst>
+                                      </p:cBhvr>
+                                      <p:to>
+                                        <p:strVal val="visible"/>
+                                      </p:to>
+                                    </p:set>
+                                    <p:animEffect transition="in" filter="fade">
+                                      <p:cBhvr>
+                                        <p:cTn id="7" dur="1000"/>
+                                        <p:tgtEl>
+                                          <p:spTgt spid="7"/>
+                                        </p:tgtEl>
+                                      </p:cBhvr>
+                                    </p:animEffect>
+                                    <p:anim calcmode="lin" valueType="num">
+                                      <p:cBhvr>
+                                        <p:cTn id="8" dur="1000" fill="hold"/>
+                                        <p:tgtEl>
+                                          <p:spTgt spid="7"/>
+                                        </p:tgtEl>
+                                        <p:attrNameLst>
+                                          <p:attrName>ppt_x</p:attrName>
+                                        </p:attrNameLst>
+                                      </p:cBhvr>
+                                      <p:tavLst>
+                                        <p:tav tm="0">
+                                          <p:val>
+                                            <p:strVal val="#ppt_x"/>
+                                          </p:val>
+                                        </p:tav>
+                                        <p:tav tm="100000">
+                                          <p:val>
+                                            <p:strVal val="#ppt_x"/>
+                                          </p:val>
+                                        </p:tav>
+                                      </p:tavLst>
+                                    </p:anim>
+                                    <p:anim calcmode="lin" valueType="num">
+                                      <p:cBhvr>
+                                        <p:cTn id="9" dur="1000" fill="hold"/>
+                                        <p:tgtEl>
+                                          <p:spTgt spid="7"/>
+                                        </p:tgtEl>
+                                        <p:attrNameLst>
+                                          <p:attrName>ppt_y</p:attrName>
+                                        </p:attrNameLst>
+                                      </p:cBhvr>
+                                      <p:tavLst>
+                                        <p:tav tm="0">
+                                          <p:val>
+                                            <p:strVal val="#ppt_y+.1"/>
+                                          </p:val>
+                                        </p:tav>
+                                        <p:tav tm="100000">
+                                          <p:val>
+                                            <p:strVal val="#ppt_y"/>
+                                          </p:val>
+                                        </p:tav>
+                                      </p:tavLst>
+                                    </p:anim>
+                                  </p:childTnLst>
+                                </p:cTn>
+                              </p:par>
+                            </p:childTnLst>
+                          </p:cTn>
+                        </p:par>
+                      </p:childTnLst>
+                    </p:cTn>
+                  </p:par>
+                </p:childTnLst>
+              </p:cTn>
+              <p:prevCondLst>
+                <p:cond evt="onPrev" delay="0">
+                  <p:tgtEl>
+                    <p:sldTgt/>
+                  </p:tgtEl>
+                </p:cond>
+              </p:prevCondLst>
+              <p:nextCondLst>
+                <p:cond evt="onNext" delay="0">
+                  <p:tgtEl>
+                    <p:sldTgt/>
+                  </p:tgtEl>
+                </p:cond>
+              </p:nextCondLst>
+            </p:seq>
+          </p:childTnLst>
+        </p:cTn>
       </p:par>
     </p:tnLst>
+    <p:bldLst>
+      <p:bldP spid="7" grpId="0"/>
+    </p:bldLst>
   </p:timing>
 </p:sld>
 </file>
@@ -6273,7 +8389,7 @@
         </p:nvSpPr>
         <p:spPr>
           <a:xfrm>
-            <a:off x="-55267" y="0"/>
+            <a:off x="0" y="-4695"/>
             <a:ext cx="12192000" cy="6858000"/>
           </a:xfrm>
           <a:prstGeom prst="rect">
@@ -6389,435 +8505,7 @@
       </p:cxnSp>
       <p:sp>
         <p:nvSpPr>
-          <p:cNvPr id="19" name="正方形/長方形 18">
-            <a:extLst>
-              <a:ext uri="{FF2B5EF4-FFF2-40B4-BE49-F238E27FC236}">
-                <a16:creationId xmlns:a16="http://schemas.microsoft.com/office/drawing/2014/main" id="{11F7E950-0EED-4F8C-8026-1867F6678569}"/>
-              </a:ext>
-            </a:extLst>
-          </p:cNvPr>
-          <p:cNvSpPr/>
-          <p:nvPr/>
-        </p:nvSpPr>
-        <p:spPr>
-          <a:xfrm>
-            <a:off x="3463047" y="1308676"/>
-            <a:ext cx="7425447" cy="1142695"/>
-          </a:xfrm>
-          <a:prstGeom prst="rect">
-            <a:avLst/>
-          </a:prstGeom>
-          <a:solidFill>
-            <a:schemeClr val="bg1"/>
-          </a:solidFill>
-          <a:ln w="19050">
-            <a:solidFill>
-              <a:srgbClr val="D29839"/>
-            </a:solidFill>
-          </a:ln>
-        </p:spPr>
-        <p:style>
-          <a:lnRef idx="2">
-            <a:schemeClr val="accent1">
-              <a:shade val="50000"/>
-            </a:schemeClr>
-          </a:lnRef>
-          <a:fillRef idx="1">
-            <a:schemeClr val="accent1"/>
-          </a:fillRef>
-          <a:effectRef idx="0">
-            <a:schemeClr val="accent1"/>
-          </a:effectRef>
-          <a:fontRef idx="minor">
-            <a:schemeClr val="lt1"/>
-          </a:fontRef>
-        </p:style>
-        <p:txBody>
-          <a:bodyPr rtlCol="0" anchor="ctr"/>
-          <a:lstStyle/>
-          <a:p>
-            <a:pPr algn="ctr"/>
-            <a:r>
-              <a:rPr lang="ja-JP" altLang="en-US" sz="3600" dirty="0" smtClean="0">
-                <a:solidFill>
-                  <a:srgbClr val="4C464C"/>
-                </a:solidFill>
-                <a:latin typeface="HGSｺﾞｼｯｸE" panose="020B0900000000000000" pitchFamily="50" charset="-128"/>
-                <a:ea typeface="HGSｺﾞｼｯｸE" panose="020B0900000000000000" pitchFamily="50" charset="-128"/>
-              </a:rPr>
-              <a:t>ログ・翻訳</a:t>
-            </a:r>
-            <a:r>
-              <a:rPr lang="ja-JP" altLang="en-US" sz="3600" dirty="0" smtClean="0">
-                <a:solidFill>
-                  <a:srgbClr val="4C464C"/>
-                </a:solidFill>
-                <a:latin typeface="HGSｺﾞｼｯｸE" panose="020B0900000000000000" pitchFamily="50" charset="-128"/>
-                <a:ea typeface="HGSｺﾞｼｯｸE" panose="020B0900000000000000" pitchFamily="50" charset="-128"/>
-              </a:rPr>
-              <a:t>機能</a:t>
-            </a:r>
-            <a:endParaRPr lang="ja-JP" altLang="en-US" sz="3600" dirty="0">
-              <a:solidFill>
-                <a:srgbClr val="4C464C"/>
-              </a:solidFill>
-              <a:latin typeface="HGSｺﾞｼｯｸE" panose="020B0900000000000000" pitchFamily="50" charset="-128"/>
-              <a:ea typeface="HGSｺﾞｼｯｸE" panose="020B0900000000000000" pitchFamily="50" charset="-128"/>
-            </a:endParaRPr>
-          </a:p>
-        </p:txBody>
-      </p:sp>
-      <p:sp>
-        <p:nvSpPr>
-          <p:cNvPr id="20" name="正方形/長方形 19">
-            <a:extLst>
-              <a:ext uri="{FF2B5EF4-FFF2-40B4-BE49-F238E27FC236}">
-                <a16:creationId xmlns:a16="http://schemas.microsoft.com/office/drawing/2014/main" id="{B4684C53-8171-4C96-8FA4-37F56591AC93}"/>
-              </a:ext>
-            </a:extLst>
-          </p:cNvPr>
-          <p:cNvSpPr/>
-          <p:nvPr/>
-        </p:nvSpPr>
-        <p:spPr>
-          <a:xfrm>
-            <a:off x="1191492" y="1312138"/>
-            <a:ext cx="2271556" cy="1139233"/>
-          </a:xfrm>
-          <a:prstGeom prst="rect">
-            <a:avLst/>
-          </a:prstGeom>
-          <a:solidFill>
-            <a:schemeClr val="accent2"/>
-          </a:solidFill>
-          <a:ln w="19050">
-            <a:solidFill>
-              <a:srgbClr val="D29839"/>
-            </a:solidFill>
-          </a:ln>
-        </p:spPr>
-        <p:style>
-          <a:lnRef idx="2">
-            <a:schemeClr val="accent1">
-              <a:shade val="50000"/>
-            </a:schemeClr>
-          </a:lnRef>
-          <a:fillRef idx="1">
-            <a:schemeClr val="accent1"/>
-          </a:fillRef>
-          <a:effectRef idx="0">
-            <a:schemeClr val="accent1"/>
-          </a:effectRef>
-          <a:fontRef idx="minor">
-            <a:schemeClr val="lt1"/>
-          </a:fontRef>
-        </p:style>
-        <p:txBody>
-          <a:bodyPr rtlCol="0" anchor="ctr"/>
-          <a:lstStyle/>
-          <a:p>
-            <a:pPr algn="ctr"/>
-            <a:r>
-              <a:rPr lang="en-US" altLang="ja-JP" sz="3600" b="1" dirty="0">
-                <a:solidFill>
-                  <a:schemeClr val="bg1"/>
-                </a:solidFill>
-              </a:rPr>
-              <a:t>1</a:t>
-            </a:r>
-            <a:endParaRPr kumimoji="1" lang="ja-JP" altLang="en-US" sz="3600" b="1" dirty="0">
-              <a:solidFill>
-                <a:schemeClr val="bg1"/>
-              </a:solidFill>
-            </a:endParaRPr>
-          </a:p>
-        </p:txBody>
-      </p:sp>
-      <p:sp>
-        <p:nvSpPr>
-          <p:cNvPr id="21" name="正方形/長方形 20">
-            <a:extLst>
-              <a:ext uri="{FF2B5EF4-FFF2-40B4-BE49-F238E27FC236}">
-                <a16:creationId xmlns:a16="http://schemas.microsoft.com/office/drawing/2014/main" id="{02DF2E1C-683B-4962-93F7-A494354880FD}"/>
-              </a:ext>
-            </a:extLst>
-          </p:cNvPr>
-          <p:cNvSpPr/>
-          <p:nvPr/>
-        </p:nvSpPr>
-        <p:spPr>
-          <a:xfrm>
-            <a:off x="3463046" y="3010193"/>
-            <a:ext cx="7425447" cy="1130103"/>
-          </a:xfrm>
-          <a:prstGeom prst="rect">
-            <a:avLst/>
-          </a:prstGeom>
-          <a:solidFill>
-            <a:schemeClr val="bg1"/>
-          </a:solidFill>
-          <a:ln w="19050">
-            <a:solidFill>
-              <a:srgbClr val="D29839"/>
-            </a:solidFill>
-          </a:ln>
-        </p:spPr>
-        <p:style>
-          <a:lnRef idx="2">
-            <a:schemeClr val="accent1">
-              <a:shade val="50000"/>
-            </a:schemeClr>
-          </a:lnRef>
-          <a:fillRef idx="1">
-            <a:schemeClr val="accent1"/>
-          </a:fillRef>
-          <a:effectRef idx="0">
-            <a:schemeClr val="accent1"/>
-          </a:effectRef>
-          <a:fontRef idx="minor">
-            <a:schemeClr val="lt1"/>
-          </a:fontRef>
-        </p:style>
-        <p:txBody>
-          <a:bodyPr rtlCol="0" anchor="ctr"/>
-          <a:lstStyle/>
-          <a:p>
-            <a:pPr algn="ctr"/>
-            <a:r>
-              <a:rPr lang="ja-JP" altLang="en-US" sz="3600" dirty="0" smtClean="0">
-                <a:solidFill>
-                  <a:srgbClr val="4C464C"/>
-                </a:solidFill>
-                <a:latin typeface="HGSｺﾞｼｯｸE" panose="020B0900000000000000" pitchFamily="50" charset="-128"/>
-                <a:ea typeface="HGSｺﾞｼｯｸE" panose="020B0900000000000000" pitchFamily="50" charset="-128"/>
-              </a:rPr>
-              <a:t>接続方式自動変更</a:t>
-            </a:r>
-            <a:r>
-              <a:rPr kumimoji="1" lang="ja-JP" altLang="en-US" sz="3600" dirty="0" smtClean="0">
-                <a:solidFill>
-                  <a:srgbClr val="4C464C"/>
-                </a:solidFill>
-                <a:latin typeface="HGSｺﾞｼｯｸE" panose="020B0900000000000000" pitchFamily="50" charset="-128"/>
-                <a:ea typeface="HGSｺﾞｼｯｸE" panose="020B0900000000000000" pitchFamily="50" charset="-128"/>
-              </a:rPr>
-              <a:t>機能</a:t>
-            </a:r>
-            <a:endParaRPr kumimoji="1" lang="ja-JP" altLang="en-US" sz="3600" dirty="0">
-              <a:solidFill>
-                <a:srgbClr val="4C464C"/>
-              </a:solidFill>
-              <a:latin typeface="HGSｺﾞｼｯｸE" panose="020B0900000000000000" pitchFamily="50" charset="-128"/>
-              <a:ea typeface="HGSｺﾞｼｯｸE" panose="020B0900000000000000" pitchFamily="50" charset="-128"/>
-            </a:endParaRPr>
-          </a:p>
-        </p:txBody>
-      </p:sp>
-      <p:sp>
-        <p:nvSpPr>
-          <p:cNvPr id="22" name="正方形/長方形 21">
-            <a:extLst>
-              <a:ext uri="{FF2B5EF4-FFF2-40B4-BE49-F238E27FC236}">
-                <a16:creationId xmlns:a16="http://schemas.microsoft.com/office/drawing/2014/main" id="{5D591065-8569-4289-9286-AF02A2E53E83}"/>
-              </a:ext>
-            </a:extLst>
-          </p:cNvPr>
-          <p:cNvSpPr/>
-          <p:nvPr/>
-        </p:nvSpPr>
-        <p:spPr>
-          <a:xfrm>
-            <a:off x="1191491" y="3010195"/>
-            <a:ext cx="2271555" cy="1130102"/>
-          </a:xfrm>
-          <a:prstGeom prst="rect">
-            <a:avLst/>
-          </a:prstGeom>
-          <a:solidFill>
-            <a:schemeClr val="accent2"/>
-          </a:solidFill>
-          <a:ln w="19050">
-            <a:solidFill>
-              <a:srgbClr val="D29839"/>
-            </a:solidFill>
-          </a:ln>
-        </p:spPr>
-        <p:style>
-          <a:lnRef idx="2">
-            <a:schemeClr val="accent1">
-              <a:shade val="50000"/>
-            </a:schemeClr>
-          </a:lnRef>
-          <a:fillRef idx="1">
-            <a:schemeClr val="accent1"/>
-          </a:fillRef>
-          <a:effectRef idx="0">
-            <a:schemeClr val="accent1"/>
-          </a:effectRef>
-          <a:fontRef idx="minor">
-            <a:schemeClr val="lt1"/>
-          </a:fontRef>
-        </p:style>
-        <p:txBody>
-          <a:bodyPr rtlCol="0" anchor="ctr"/>
-          <a:lstStyle/>
-          <a:p>
-            <a:pPr algn="ctr"/>
-            <a:r>
-              <a:rPr lang="en-US" altLang="ja-JP" sz="3600" b="1" dirty="0">
-                <a:solidFill>
-                  <a:schemeClr val="bg1"/>
-                </a:solidFill>
-              </a:rPr>
-              <a:t>2</a:t>
-            </a:r>
-            <a:endParaRPr kumimoji="1" lang="ja-JP" altLang="en-US" sz="3600" b="1" dirty="0">
-              <a:solidFill>
-                <a:schemeClr val="bg1"/>
-              </a:solidFill>
-            </a:endParaRPr>
-          </a:p>
-        </p:txBody>
-      </p:sp>
-      <p:sp>
-        <p:nvSpPr>
-          <p:cNvPr id="23" name="正方形/長方形 22">
-            <a:extLst>
-              <a:ext uri="{FF2B5EF4-FFF2-40B4-BE49-F238E27FC236}">
-                <a16:creationId xmlns:a16="http://schemas.microsoft.com/office/drawing/2014/main" id="{3667D8CC-863C-47BF-879B-B395A29407C4}"/>
-              </a:ext>
-            </a:extLst>
-          </p:cNvPr>
-          <p:cNvSpPr/>
-          <p:nvPr/>
-        </p:nvSpPr>
-        <p:spPr>
-          <a:xfrm>
-            <a:off x="3463046" y="4681776"/>
-            <a:ext cx="7425447" cy="1108874"/>
-          </a:xfrm>
-          <a:prstGeom prst="rect">
-            <a:avLst/>
-          </a:prstGeom>
-          <a:solidFill>
-            <a:schemeClr val="bg1"/>
-          </a:solidFill>
-          <a:ln w="19050">
-            <a:solidFill>
-              <a:srgbClr val="D29839"/>
-            </a:solidFill>
-          </a:ln>
-        </p:spPr>
-        <p:style>
-          <a:lnRef idx="2">
-            <a:schemeClr val="accent1">
-              <a:shade val="50000"/>
-            </a:schemeClr>
-          </a:lnRef>
-          <a:fillRef idx="1">
-            <a:schemeClr val="accent1"/>
-          </a:fillRef>
-          <a:effectRef idx="0">
-            <a:schemeClr val="accent1"/>
-          </a:effectRef>
-          <a:fontRef idx="minor">
-            <a:schemeClr val="lt1"/>
-          </a:fontRef>
-        </p:style>
-        <p:txBody>
-          <a:bodyPr rtlCol="0" anchor="ctr"/>
-          <a:lstStyle/>
-          <a:p>
-            <a:pPr algn="ctr"/>
-            <a:r>
-              <a:rPr kumimoji="1" lang="ja-JP" altLang="en-US" sz="3600" dirty="0" smtClean="0">
-                <a:solidFill>
-                  <a:srgbClr val="4C464C"/>
-                </a:solidFill>
-                <a:latin typeface="HGSｺﾞｼｯｸE" panose="020B0900000000000000" pitchFamily="50" charset="-128"/>
-                <a:ea typeface="HGSｺﾞｼｯｸE" panose="020B0900000000000000" pitchFamily="50" charset="-128"/>
-              </a:rPr>
-              <a:t>通話時のＵＩの作成</a:t>
-            </a:r>
-            <a:endParaRPr kumimoji="1" lang="ja-JP" altLang="en-US" sz="3600" dirty="0">
-              <a:solidFill>
-                <a:srgbClr val="4C464C"/>
-              </a:solidFill>
-              <a:latin typeface="HGSｺﾞｼｯｸE" panose="020B0900000000000000" pitchFamily="50" charset="-128"/>
-              <a:ea typeface="HGSｺﾞｼｯｸE" panose="020B0900000000000000" pitchFamily="50" charset="-128"/>
-            </a:endParaRPr>
-          </a:p>
-        </p:txBody>
-      </p:sp>
-      <p:sp>
-        <p:nvSpPr>
-          <p:cNvPr id="24" name="正方形/長方形 23">
-            <a:extLst>
-              <a:ext uri="{FF2B5EF4-FFF2-40B4-BE49-F238E27FC236}">
-                <a16:creationId xmlns:a16="http://schemas.microsoft.com/office/drawing/2014/main" id="{2DA0B727-CFAB-4A2A-BC89-DA6527315F5F}"/>
-              </a:ext>
-            </a:extLst>
-          </p:cNvPr>
-          <p:cNvSpPr/>
-          <p:nvPr/>
-        </p:nvSpPr>
-        <p:spPr>
-          <a:xfrm>
-            <a:off x="1191491" y="4681777"/>
-            <a:ext cx="2271555" cy="1108873"/>
-          </a:xfrm>
-          <a:prstGeom prst="rect">
-            <a:avLst/>
-          </a:prstGeom>
-          <a:solidFill>
-            <a:schemeClr val="accent2"/>
-          </a:solidFill>
-          <a:ln w="19050">
-            <a:solidFill>
-              <a:srgbClr val="D29839"/>
-            </a:solidFill>
-          </a:ln>
-        </p:spPr>
-        <p:style>
-          <a:lnRef idx="2">
-            <a:schemeClr val="accent1">
-              <a:shade val="50000"/>
-            </a:schemeClr>
-          </a:lnRef>
-          <a:fillRef idx="1">
-            <a:schemeClr val="accent1"/>
-          </a:fillRef>
-          <a:effectRef idx="0">
-            <a:schemeClr val="accent1"/>
-          </a:effectRef>
-          <a:fontRef idx="minor">
-            <a:schemeClr val="lt1"/>
-          </a:fontRef>
-        </p:style>
-        <p:txBody>
-          <a:bodyPr rtlCol="0" anchor="ctr"/>
-          <a:lstStyle/>
-          <a:p>
-            <a:pPr algn="ctr"/>
-            <a:r>
-              <a:rPr lang="en-US" altLang="ja-JP" sz="3600" b="1" dirty="0">
-                <a:solidFill>
-                  <a:schemeClr val="bg1"/>
-                </a:solidFill>
-              </a:rPr>
-              <a:t>3</a:t>
-            </a:r>
-            <a:endParaRPr kumimoji="1" lang="ja-JP" altLang="en-US" sz="3600" b="1" dirty="0">
-              <a:solidFill>
-                <a:schemeClr val="bg1"/>
-              </a:solidFill>
-            </a:endParaRPr>
-          </a:p>
-        </p:txBody>
-      </p:sp>
-      <p:sp>
-        <p:nvSpPr>
-          <p:cNvPr id="25" name="テキスト ボックス 24">
+          <p:cNvPr id="7" name="テキスト ボックス 6">
             <a:extLst>
               <a:ext uri="{FF2B5EF4-FFF2-40B4-BE49-F238E27FC236}">
                 <a16:creationId xmlns:a16="http://schemas.microsoft.com/office/drawing/2014/main" id="{AC0385A7-0901-460A-88BE-0CC61EE9D377}"/>
@@ -6829,8 +8517,8 @@
         </p:nvSpPr>
         <p:spPr>
           <a:xfrm>
-            <a:off x="637169" y="133458"/>
-            <a:ext cx="2954655" cy="646331"/>
+            <a:off x="519545" y="86463"/>
+            <a:ext cx="2492990" cy="646331"/>
           </a:xfrm>
           <a:prstGeom prst="rect">
             <a:avLst/>
@@ -6844,41 +8532,220 @@
           <a:lstStyle/>
           <a:p>
             <a:r>
-              <a:rPr lang="ja-JP" altLang="en-US" sz="3600" b="1" dirty="0">
+              <a:rPr lang="ja-JP" altLang="en-US" sz="3600" dirty="0" smtClean="0">
                 <a:solidFill>
-                  <a:srgbClr val="4C464C"/>
+                  <a:schemeClr val="tx1">
+                    <a:lumMod val="75000"/>
+                    <a:lumOff val="25000"/>
+                  </a:schemeClr>
+                </a:solidFill>
+                <a:latin typeface="HGSｺﾞｼｯｸE" panose="020B0900000000000000" pitchFamily="50" charset="-128"/>
+                <a:ea typeface="HGSｺﾞｼｯｸE" panose="020B0900000000000000" pitchFamily="50" charset="-128"/>
+              </a:rPr>
+              <a:t>使用ツール</a:t>
+            </a:r>
+            <a:endParaRPr kumimoji="1" lang="ja-JP" altLang="en-US" sz="3600" dirty="0">
+              <a:solidFill>
+                <a:schemeClr val="tx1">
+                  <a:lumMod val="75000"/>
+                  <a:lumOff val="25000"/>
+                </a:schemeClr>
+              </a:solidFill>
+              <a:latin typeface="HGSｺﾞｼｯｸE" panose="020B0900000000000000" pitchFamily="50" charset="-128"/>
+              <a:ea typeface="HGSｺﾞｼｯｸE" panose="020B0900000000000000" pitchFamily="50" charset="-128"/>
+            </a:endParaRPr>
+          </a:p>
+        </p:txBody>
+      </p:sp>
+      <p:sp>
+        <p:nvSpPr>
+          <p:cNvPr id="8" name="角丸四角形 7"/>
+          <p:cNvSpPr/>
+          <p:nvPr/>
+        </p:nvSpPr>
+        <p:spPr>
+          <a:xfrm>
+            <a:off x="785857" y="1213212"/>
+            <a:ext cx="10620285" cy="4094018"/>
+          </a:xfrm>
+          <a:prstGeom prst="roundRect">
+            <a:avLst/>
+          </a:prstGeom>
+          <a:solidFill>
+            <a:srgbClr val="FFFFFF"/>
+          </a:solidFill>
+          <a:ln w="76200" cap="rnd">
+            <a:solidFill>
+              <a:schemeClr val="accent2"/>
+            </a:solidFill>
+          </a:ln>
+          <a:effectLst/>
+        </p:spPr>
+        <p:style>
+          <a:lnRef idx="2">
+            <a:schemeClr val="accent1">
+              <a:shade val="50000"/>
+            </a:schemeClr>
+          </a:lnRef>
+          <a:fillRef idx="1">
+            <a:schemeClr val="accent1"/>
+          </a:fillRef>
+          <a:effectRef idx="0">
+            <a:schemeClr val="accent1"/>
+          </a:effectRef>
+          <a:fontRef idx="minor">
+            <a:schemeClr val="lt1"/>
+          </a:fontRef>
+        </p:style>
+        <p:txBody>
+          <a:bodyPr rtlCol="0" anchor="ctr"/>
+          <a:lstStyle/>
+          <a:p>
+            <a:pPr algn="ctr"/>
+            <a:endParaRPr kumimoji="1" lang="ja-JP" altLang="en-US" dirty="0"/>
+          </a:p>
+        </p:txBody>
+      </p:sp>
+      <p:pic>
+        <p:nvPicPr>
+          <p:cNvPr id="2" name="図 1"/>
+          <p:cNvPicPr>
+            <a:picLocks noChangeAspect="1"/>
+          </p:cNvPicPr>
+          <p:nvPr/>
+        </p:nvPicPr>
+        <p:blipFill>
+          <a:blip r:embed="rId2" cstate="print">
+            <a:extLst>
+              <a:ext uri="{28A0092B-C50C-407E-A947-70E740481C1C}">
+                <a14:useLocalDpi xmlns:a14="http://schemas.microsoft.com/office/drawing/2010/main" val="0"/>
+              </a:ext>
+            </a:extLst>
+          </a:blip>
+          <a:stretch>
+            <a:fillRect/>
+          </a:stretch>
+        </p:blipFill>
+        <p:spPr>
+          <a:xfrm>
+            <a:off x="1579414" y="2784462"/>
+            <a:ext cx="3223409" cy="772948"/>
+          </a:xfrm>
+          <a:prstGeom prst="rect">
+            <a:avLst/>
+          </a:prstGeom>
+        </p:spPr>
+      </p:pic>
+      <p:pic>
+        <p:nvPicPr>
+          <p:cNvPr id="14" name="図 13"/>
+          <p:cNvPicPr>
+            <a:picLocks noChangeAspect="1"/>
+          </p:cNvPicPr>
+          <p:nvPr/>
+        </p:nvPicPr>
+        <p:blipFill>
+          <a:blip r:embed="rId3" cstate="print">
+            <a:extLst>
+              <a:ext uri="{28A0092B-C50C-407E-A947-70E740481C1C}">
+                <a14:useLocalDpi xmlns:a14="http://schemas.microsoft.com/office/drawing/2010/main" val="0"/>
+              </a:ext>
+            </a:extLst>
+          </a:blip>
+          <a:stretch>
+            <a:fillRect/>
+          </a:stretch>
+        </p:blipFill>
+        <p:spPr>
+          <a:xfrm>
+            <a:off x="8539506" y="2326706"/>
+            <a:ext cx="1688460" cy="1688460"/>
+          </a:xfrm>
+          <a:prstGeom prst="rect">
+            <a:avLst/>
+          </a:prstGeom>
+        </p:spPr>
+      </p:pic>
+      <p:sp>
+        <p:nvSpPr>
+          <p:cNvPr id="15" name="テキスト ボックス 14"/>
+          <p:cNvSpPr txBox="1"/>
+          <p:nvPr/>
+        </p:nvSpPr>
+        <p:spPr>
+          <a:xfrm>
+            <a:off x="2230988" y="5740652"/>
+            <a:ext cx="10725013" cy="769441"/>
+          </a:xfrm>
+          <a:prstGeom prst="rect">
+            <a:avLst/>
+          </a:prstGeom>
+          <a:noFill/>
+        </p:spPr>
+        <p:txBody>
+          <a:bodyPr wrap="square" rtlCol="0">
+            <a:spAutoFit/>
+          </a:bodyPr>
+          <a:lstStyle/>
+          <a:p>
+            <a:r>
+              <a:rPr kumimoji="1" lang="en-US" altLang="ja-JP" sz="4400" b="1" dirty="0" smtClean="0">
+                <a:solidFill>
+                  <a:srgbClr val="404040"/>
                 </a:solidFill>
               </a:rPr>
-              <a:t>今後</a:t>
-            </a:r>
-            <a:r>
-              <a:rPr lang="ja-JP" altLang="en-US" sz="3600" b="1" dirty="0" smtClean="0">
+              <a:t>GitHub</a:t>
+            </a:r>
+            <a:r>
+              <a:rPr lang="en-US" altLang="ja-JP" sz="4400" b="1" dirty="0" smtClean="0">
                 <a:solidFill>
-                  <a:srgbClr val="4C464C"/>
+                  <a:srgbClr val="404040"/>
                 </a:solidFill>
               </a:rPr>
-              <a:t>の課題</a:t>
-            </a:r>
-            <a:r>
-              <a:rPr lang="ja-JP" altLang="en-US" sz="3600" b="1" dirty="0">
-                <a:solidFill>
-                  <a:srgbClr val="4C464C"/>
-                </a:solidFill>
-              </a:rPr>
-              <a:t>点</a:t>
-            </a:r>
-            <a:endParaRPr kumimoji="1" lang="ja-JP" altLang="en-US" sz="3600" b="1" dirty="0">
+              <a:t> , Atom(IDE) , XAMPP</a:t>
+            </a:r>
+            <a:endParaRPr kumimoji="1" lang="ja-JP" altLang="en-US" sz="4400" b="1" dirty="0">
               <a:solidFill>
-                <a:srgbClr val="4C464C"/>
+                <a:srgbClr val="404040"/>
               </a:solidFill>
             </a:endParaRPr>
           </a:p>
         </p:txBody>
       </p:sp>
+      <p:pic>
+        <p:nvPicPr>
+          <p:cNvPr id="17" name="図 16"/>
+          <p:cNvPicPr>
+            <a:picLocks noChangeAspect="1"/>
+          </p:cNvPicPr>
+          <p:nvPr/>
+        </p:nvPicPr>
+        <p:blipFill>
+          <a:blip r:embed="rId4">
+            <a:extLst>
+              <a:ext uri="{28A0092B-C50C-407E-A947-70E740481C1C}">
+                <a14:useLocalDpi xmlns:a14="http://schemas.microsoft.com/office/drawing/2010/main" val="0"/>
+              </a:ext>
+            </a:extLst>
+          </a:blip>
+          <a:stretch>
+            <a:fillRect/>
+          </a:stretch>
+        </p:blipFill>
+        <p:spPr>
+          <a:xfrm>
+            <a:off x="5596380" y="2363565"/>
+            <a:ext cx="1764951" cy="1614742"/>
+          </a:xfrm>
+          <a:prstGeom prst="rect">
+            <a:avLst/>
+          </a:prstGeom>
+        </p:spPr>
+      </p:pic>
     </p:spTree>
     <p:extLst>
       <p:ext uri="{BB962C8B-B14F-4D97-AF65-F5344CB8AC3E}">
-        <p14:creationId xmlns:p14="http://schemas.microsoft.com/office/powerpoint/2010/main" val="1264010932"/>
+        <p14:creationId xmlns:p14="http://schemas.microsoft.com/office/powerpoint/2010/main" val="1546948040"/>
       </p:ext>
     </p:extLst>
   </p:cSld>
@@ -6888,9 +8755,137 @@
   <p:timing>
     <p:tnLst>
       <p:par>
-        <p:cTn id="1" dur="indefinite" restart="never" nodeType="tmRoot"/>
+        <p:cTn id="1" dur="indefinite" restart="never" nodeType="tmRoot">
+          <p:childTnLst>
+            <p:seq concurrent="1" nextAc="seek">
+              <p:cTn id="2" dur="indefinite" nodeType="mainSeq">
+                <p:childTnLst>
+                  <p:par>
+                    <p:cTn id="3" fill="hold">
+                      <p:stCondLst>
+                        <p:cond delay="indefinite"/>
+                        <p:cond evt="onBegin" delay="0">
+                          <p:tn val="2"/>
+                        </p:cond>
+                      </p:stCondLst>
+                      <p:childTnLst>
+                        <p:par>
+                          <p:cTn id="4" fill="hold">
+                            <p:stCondLst>
+                              <p:cond delay="0"/>
+                            </p:stCondLst>
+                            <p:childTnLst>
+                              <p:par>
+                                <p:cTn id="5" presetID="42" presetClass="entr" presetSubtype="0" fill="hold" grpId="0" nodeType="afterEffect">
+                                  <p:stCondLst>
+                                    <p:cond delay="0"/>
+                                  </p:stCondLst>
+                                  <p:childTnLst>
+                                    <p:set>
+                                      <p:cBhvr>
+                                        <p:cTn id="6" dur="1" fill="hold">
+                                          <p:stCondLst>
+                                            <p:cond delay="0"/>
+                                          </p:stCondLst>
+                                        </p:cTn>
+                                        <p:tgtEl>
+                                          <p:spTgt spid="7"/>
+                                        </p:tgtEl>
+                                        <p:attrNameLst>
+                                          <p:attrName>style.visibility</p:attrName>
+                                        </p:attrNameLst>
+                                      </p:cBhvr>
+                                      <p:to>
+                                        <p:strVal val="visible"/>
+                                      </p:to>
+                                    </p:set>
+                                    <p:animEffect transition="in" filter="fade">
+                                      <p:cBhvr>
+                                        <p:cTn id="7" dur="1000"/>
+                                        <p:tgtEl>
+                                          <p:spTgt spid="7"/>
+                                        </p:tgtEl>
+                                      </p:cBhvr>
+                                    </p:animEffect>
+                                    <p:anim calcmode="lin" valueType="num">
+                                      <p:cBhvr>
+                                        <p:cTn id="8" dur="1000" fill="hold"/>
+                                        <p:tgtEl>
+                                          <p:spTgt spid="7"/>
+                                        </p:tgtEl>
+                                        <p:attrNameLst>
+                                          <p:attrName>ppt_x</p:attrName>
+                                        </p:attrNameLst>
+                                      </p:cBhvr>
+                                      <p:tavLst>
+                                        <p:tav tm="0">
+                                          <p:val>
+                                            <p:strVal val="#ppt_x"/>
+                                          </p:val>
+                                        </p:tav>
+                                        <p:tav tm="100000">
+                                          <p:val>
+                                            <p:strVal val="#ppt_x"/>
+                                          </p:val>
+                                        </p:tav>
+                                      </p:tavLst>
+                                    </p:anim>
+                                    <p:anim calcmode="lin" valueType="num">
+                                      <p:cBhvr>
+                                        <p:cTn id="9" dur="1000" fill="hold"/>
+                                        <p:tgtEl>
+                                          <p:spTgt spid="7"/>
+                                        </p:tgtEl>
+                                        <p:attrNameLst>
+                                          <p:attrName>ppt_y</p:attrName>
+                                        </p:attrNameLst>
+                                      </p:cBhvr>
+                                      <p:tavLst>
+                                        <p:tav tm="0">
+                                          <p:val>
+                                            <p:strVal val="#ppt_y+.1"/>
+                                          </p:val>
+                                        </p:tav>
+                                        <p:tav tm="100000">
+                                          <p:val>
+                                            <p:strVal val="#ppt_y"/>
+                                          </p:val>
+                                        </p:tav>
+                                      </p:tavLst>
+                                    </p:anim>
+                                  </p:childTnLst>
+                                </p:cTn>
+                              </p:par>
+                            </p:childTnLst>
+                          </p:cTn>
+                        </p:par>
+                      </p:childTnLst>
+                    </p:cTn>
+                  </p:par>
+                </p:childTnLst>
+              </p:cTn>
+              <p:prevCondLst>
+                <p:cond evt="onPrev" delay="0">
+                  <p:tgtEl>
+                    <p:sldTgt/>
+                  </p:tgtEl>
+                </p:cond>
+              </p:prevCondLst>
+              <p:nextCondLst>
+                <p:cond evt="onNext" delay="0">
+                  <p:tgtEl>
+                    <p:sldTgt/>
+                  </p:tgtEl>
+                </p:cond>
+              </p:nextCondLst>
+            </p:seq>
+          </p:childTnLst>
+        </p:cTn>
       </p:par>
     </p:tnLst>
+    <p:bldLst>
+      <p:bldP spid="7" grpId="0"/>
+    </p:bldLst>
   </p:timing>
 </p:sld>
 </file>
@@ -6964,238 +8959,6 @@
           </a:p>
         </p:txBody>
       </p:sp>
-      <p:cxnSp>
-        <p:nvCxnSpPr>
-          <p:cNvPr id="4" name="直線コネクタ 3"/>
-          <p:cNvCxnSpPr/>
-          <p:nvPr/>
-        </p:nvCxnSpPr>
-        <p:spPr>
-          <a:xfrm>
-            <a:off x="519545" y="727363"/>
-            <a:ext cx="11042376" cy="0"/>
-          </a:xfrm>
-          <a:prstGeom prst="line">
-            <a:avLst/>
-          </a:prstGeom>
-          <a:ln w="22225">
-            <a:solidFill>
-              <a:srgbClr val="AB9B8A"/>
-            </a:solidFill>
-          </a:ln>
-        </p:spPr>
-        <p:style>
-          <a:lnRef idx="1">
-            <a:schemeClr val="accent1"/>
-          </a:lnRef>
-          <a:fillRef idx="0">
-            <a:schemeClr val="accent1"/>
-          </a:fillRef>
-          <a:effectRef idx="0">
-            <a:schemeClr val="accent1"/>
-          </a:effectRef>
-          <a:fontRef idx="minor">
-            <a:schemeClr val="tx1"/>
-          </a:fontRef>
-        </p:style>
-      </p:cxnSp>
-      <p:cxnSp>
-        <p:nvCxnSpPr>
-          <p:cNvPr id="6" name="直線コネクタ 5"/>
-          <p:cNvCxnSpPr/>
-          <p:nvPr/>
-        </p:nvCxnSpPr>
-        <p:spPr>
-          <a:xfrm>
-            <a:off x="519545" y="779789"/>
-            <a:ext cx="11042376" cy="0"/>
-          </a:xfrm>
-          <a:prstGeom prst="line">
-            <a:avLst/>
-          </a:prstGeom>
-          <a:ln w="22225">
-            <a:solidFill>
-              <a:srgbClr val="594C43"/>
-            </a:solidFill>
-          </a:ln>
-        </p:spPr>
-        <p:style>
-          <a:lnRef idx="1">
-            <a:schemeClr val="accent1"/>
-          </a:lnRef>
-          <a:fillRef idx="0">
-            <a:schemeClr val="accent1"/>
-          </a:fillRef>
-          <a:effectRef idx="0">
-            <a:schemeClr val="accent1"/>
-          </a:effectRef>
-          <a:fontRef idx="minor">
-            <a:schemeClr val="tx1"/>
-          </a:fontRef>
-        </p:style>
-      </p:cxnSp>
-      <p:sp>
-        <p:nvSpPr>
-          <p:cNvPr id="7" name="テキスト ボックス 6">
-            <a:extLst>
-              <a:ext uri="{FF2B5EF4-FFF2-40B4-BE49-F238E27FC236}">
-                <a16:creationId xmlns:a16="http://schemas.microsoft.com/office/drawing/2014/main" id="{AC0385A7-0901-460A-88BE-0CC61EE9D377}"/>
-              </a:ext>
-            </a:extLst>
-          </p:cNvPr>
-          <p:cNvSpPr txBox="1"/>
-          <p:nvPr/>
-        </p:nvSpPr>
-        <p:spPr>
-          <a:xfrm>
-            <a:off x="519545" y="86463"/>
-            <a:ext cx="2031325" cy="646331"/>
-          </a:xfrm>
-          <a:prstGeom prst="rect">
-            <a:avLst/>
-          </a:prstGeom>
-          <a:noFill/>
-        </p:spPr>
-        <p:txBody>
-          <a:bodyPr wrap="none" rtlCol="0">
-            <a:spAutoFit/>
-          </a:bodyPr>
-          <a:lstStyle/>
-          <a:p>
-            <a:r>
-              <a:rPr lang="ja-JP" altLang="en-US" sz="3600" dirty="0" smtClean="0">
-                <a:solidFill>
-                  <a:schemeClr val="tx1">
-                    <a:lumMod val="75000"/>
-                    <a:lumOff val="25000"/>
-                  </a:schemeClr>
-                </a:solidFill>
-                <a:latin typeface="HGSｺﾞｼｯｸE" panose="020B0900000000000000" pitchFamily="50" charset="-128"/>
-                <a:ea typeface="HGSｺﾞｼｯｸE" panose="020B0900000000000000" pitchFamily="50" charset="-128"/>
-              </a:rPr>
-              <a:t>開発言語</a:t>
-            </a:r>
-            <a:endParaRPr kumimoji="1" lang="ja-JP" altLang="en-US" sz="3600" dirty="0">
-              <a:solidFill>
-                <a:schemeClr val="tx1">
-                  <a:lumMod val="75000"/>
-                  <a:lumOff val="25000"/>
-                </a:schemeClr>
-              </a:solidFill>
-              <a:latin typeface="HGSｺﾞｼｯｸE" panose="020B0900000000000000" pitchFamily="50" charset="-128"/>
-              <a:ea typeface="HGSｺﾞｼｯｸE" panose="020B0900000000000000" pitchFamily="50" charset="-128"/>
-            </a:endParaRPr>
-          </a:p>
-        </p:txBody>
-      </p:sp>
-      <p:sp>
-        <p:nvSpPr>
-          <p:cNvPr id="8" name="角丸四角形 7"/>
-          <p:cNvSpPr/>
-          <p:nvPr/>
-        </p:nvSpPr>
-        <p:spPr>
-          <a:xfrm>
-            <a:off x="785857" y="1230371"/>
-            <a:ext cx="10620285" cy="4094018"/>
-          </a:xfrm>
-          <a:prstGeom prst="roundRect">
-            <a:avLst/>
-          </a:prstGeom>
-          <a:solidFill>
-            <a:srgbClr val="FFFFFF"/>
-          </a:solidFill>
-          <a:ln w="76200" cap="rnd">
-            <a:solidFill>
-              <a:srgbClr val="7030A0"/>
-            </a:solidFill>
-          </a:ln>
-        </p:spPr>
-        <p:style>
-          <a:lnRef idx="2">
-            <a:schemeClr val="accent1">
-              <a:shade val="50000"/>
-            </a:schemeClr>
-          </a:lnRef>
-          <a:fillRef idx="1">
-            <a:schemeClr val="accent1"/>
-          </a:fillRef>
-          <a:effectRef idx="0">
-            <a:schemeClr val="accent1"/>
-          </a:effectRef>
-          <a:fontRef idx="minor">
-            <a:schemeClr val="lt1"/>
-          </a:fontRef>
-        </p:style>
-        <p:txBody>
-          <a:bodyPr rtlCol="0" anchor="ctr"/>
-          <a:lstStyle/>
-          <a:p>
-            <a:pPr algn="ctr"/>
-            <a:endParaRPr kumimoji="1" lang="ja-JP" altLang="en-US"/>
-          </a:p>
-        </p:txBody>
-      </p:sp>
-      <p:pic>
-        <p:nvPicPr>
-          <p:cNvPr id="5" name="図 4"/>
-          <p:cNvPicPr>
-            <a:picLocks noChangeAspect="1"/>
-          </p:cNvPicPr>
-          <p:nvPr/>
-        </p:nvPicPr>
-        <p:blipFill>
-          <a:blip r:embed="rId2" cstate="print">
-            <a:extLst>
-              <a:ext uri="{28A0092B-C50C-407E-A947-70E740481C1C}">
-                <a14:useLocalDpi xmlns:a14="http://schemas.microsoft.com/office/drawing/2010/main" val="0"/>
-              </a:ext>
-            </a:extLst>
-          </a:blip>
-          <a:stretch>
-            <a:fillRect/>
-          </a:stretch>
-        </p:blipFill>
-        <p:spPr>
-          <a:xfrm>
-            <a:off x="5025069" y="1908185"/>
-            <a:ext cx="2031325" cy="1068985"/>
-          </a:xfrm>
-          <a:prstGeom prst="rect">
-            <a:avLst/>
-          </a:prstGeom>
-        </p:spPr>
-      </p:pic>
-      <p:pic>
-        <p:nvPicPr>
-          <p:cNvPr id="11" name="図 10"/>
-          <p:cNvPicPr>
-            <a:picLocks noChangeAspect="1"/>
-          </p:cNvPicPr>
-          <p:nvPr/>
-        </p:nvPicPr>
-        <p:blipFill>
-          <a:blip r:embed="rId3">
-            <a:extLst>
-              <a:ext uri="{28A0092B-C50C-407E-A947-70E740481C1C}">
-                <a14:useLocalDpi xmlns:a14="http://schemas.microsoft.com/office/drawing/2010/main" val="0"/>
-              </a:ext>
-            </a:extLst>
-          </a:blip>
-          <a:stretch>
-            <a:fillRect/>
-          </a:stretch>
-        </p:blipFill>
-        <p:spPr>
-          <a:xfrm>
-            <a:off x="3961029" y="3281699"/>
-            <a:ext cx="4159404" cy="1965995"/>
-          </a:xfrm>
-          <a:prstGeom prst="rect">
-            <a:avLst/>
-          </a:prstGeom>
-        </p:spPr>
-      </p:pic>
       <p:sp>
         <p:nvSpPr>
           <p:cNvPr id="12" name="テキスト ボックス 11"/>
@@ -7204,8 +8967,8 @@
         </p:nvSpPr>
         <p:spPr>
           <a:xfrm>
-            <a:off x="1606657" y="5704126"/>
-            <a:ext cx="10585343" cy="769441"/>
+            <a:off x="1625351" y="2824140"/>
+            <a:ext cx="10566649" cy="1200329"/>
           </a:xfrm>
           <a:prstGeom prst="rect">
             <a:avLst/>
@@ -7219,51 +8982,21 @@
           <a:lstStyle/>
           <a:p>
             <a:r>
-              <a:rPr kumimoji="1" lang="en-US" altLang="ja-JP" sz="4400" b="1" dirty="0" smtClean="0">
+              <a:rPr lang="ja-JP" altLang="en-US" sz="7200" dirty="0">
+                <a:ln w="6350">
+                  <a:noFill/>
+                </a:ln>
                 <a:solidFill>
                   <a:srgbClr val="404040"/>
                 </a:solidFill>
                 <a:ea typeface="HGSｺﾞｼｯｸE" panose="020B0900000000000000" pitchFamily="50" charset="-128"/>
               </a:rPr>
-              <a:t>HTML , CSS </a:t>
-            </a:r>
-            <a:r>
-              <a:rPr lang="en-US" altLang="ja-JP" sz="4400" b="1" dirty="0" smtClean="0">
-                <a:solidFill>
-                  <a:srgbClr val="404040"/>
-                </a:solidFill>
-                <a:ea typeface="HGSｺﾞｼｯｸE" panose="020B0900000000000000" pitchFamily="50" charset="-128"/>
-              </a:rPr>
-              <a:t>, </a:t>
-            </a:r>
-            <a:r>
-              <a:rPr kumimoji="1" lang="en-US" altLang="ja-JP" sz="4400" b="1" dirty="0" smtClean="0">
-                <a:solidFill>
-                  <a:srgbClr val="404040"/>
-                </a:solidFill>
-                <a:ea typeface="HGSｺﾞｼｯｸE" panose="020B0900000000000000" pitchFamily="50" charset="-128"/>
-              </a:rPr>
-              <a:t>JavaScript </a:t>
-            </a:r>
-            <a:r>
-              <a:rPr lang="en-US" altLang="ja-JP" sz="4400" b="1" dirty="0" smtClean="0">
-                <a:solidFill>
-                  <a:srgbClr val="404040"/>
-                </a:solidFill>
-                <a:ea typeface="HGSｺﾞｼｯｸE" panose="020B0900000000000000" pitchFamily="50" charset="-128"/>
-              </a:rPr>
-              <a:t>, </a:t>
-            </a:r>
-            <a:r>
-              <a:rPr kumimoji="1" lang="en-US" altLang="ja-JP" sz="4400" b="1" dirty="0" smtClean="0">
-                <a:solidFill>
-                  <a:srgbClr val="404040"/>
-                </a:solidFill>
-                <a:ea typeface="HGSｺﾞｼｯｸE" panose="020B0900000000000000" pitchFamily="50" charset="-128"/>
-              </a:rPr>
-              <a:t>PHP</a:t>
-            </a:r>
-            <a:endParaRPr kumimoji="1" lang="ja-JP" altLang="en-US" sz="4400" b="1" dirty="0">
+              <a:t>デモンストレーション</a:t>
+            </a:r>
+            <a:endParaRPr kumimoji="1" lang="ja-JP" altLang="en-US" sz="7200" b="1" dirty="0">
+              <a:ln w="6350">
+                <a:noFill/>
+              </a:ln>
               <a:solidFill>
                 <a:srgbClr val="404040"/>
               </a:solidFill>
@@ -7272,81 +9005,10 @@
           </a:p>
         </p:txBody>
       </p:sp>
-      <p:pic>
-        <p:nvPicPr>
-          <p:cNvPr id="3076" name="Picture 4" descr="Splash Vector Graphics on your Responsive Site - HTML5 Rocks"/>
-          <p:cNvPicPr>
-            <a:picLocks noChangeAspect="1" noChangeArrowheads="1"/>
-          </p:cNvPicPr>
-          <p:nvPr/>
-        </p:nvPicPr>
-        <p:blipFill>
-          <a:blip r:embed="rId4" cstate="print">
-            <a:extLst>
-              <a:ext uri="{28A0092B-C50C-407E-A947-70E740481C1C}">
-                <a14:useLocalDpi xmlns:a14="http://schemas.microsoft.com/office/drawing/2010/main" val="0"/>
-              </a:ext>
-            </a:extLst>
-          </a:blip>
-          <a:srcRect/>
-          <a:stretch>
-            <a:fillRect/>
-          </a:stretch>
-        </p:blipFill>
-        <p:spPr bwMode="auto">
-          <a:xfrm>
-            <a:off x="1739360" y="1910032"/>
-            <a:ext cx="2579084" cy="1611928"/>
-          </a:xfrm>
-          <a:prstGeom prst="rect">
-            <a:avLst/>
-          </a:prstGeom>
-          <a:noFill/>
-          <a:extLst>
-            <a:ext uri="{909E8E84-426E-40DD-AFC4-6F175D3DCCD1}">
-              <a14:hiddenFill xmlns:a14="http://schemas.microsoft.com/office/drawing/2010/main">
-                <a:solidFill>
-                  <a:srgbClr val="FFFFFF"/>
-                </a:solidFill>
-              </a14:hiddenFill>
-            </a:ext>
-          </a:extLst>
-        </p:spPr>
-      </p:pic>
-      <p:pic>
-        <p:nvPicPr>
-          <p:cNvPr id="2" name="図 1"/>
-          <p:cNvPicPr>
-            <a:picLocks noChangeAspect="1"/>
-          </p:cNvPicPr>
-          <p:nvPr/>
-        </p:nvPicPr>
-        <p:blipFill>
-          <a:blip r:embed="rId5" cstate="print">
-            <a:extLst>
-              <a:ext uri="{28A0092B-C50C-407E-A947-70E740481C1C}">
-                <a14:useLocalDpi xmlns:a14="http://schemas.microsoft.com/office/drawing/2010/main" val="0"/>
-              </a:ext>
-            </a:extLst>
-          </a:blip>
-          <a:stretch>
-            <a:fillRect/>
-          </a:stretch>
-        </p:blipFill>
-        <p:spPr>
-          <a:xfrm>
-            <a:off x="7345834" y="1531585"/>
-            <a:ext cx="3550523" cy="2368822"/>
-          </a:xfrm>
-          <a:prstGeom prst="rect">
-            <a:avLst/>
-          </a:prstGeom>
-        </p:spPr>
-      </p:pic>
     </p:spTree>
     <p:extLst>
       <p:ext uri="{BB962C8B-B14F-4D97-AF65-F5344CB8AC3E}">
-        <p14:creationId xmlns:p14="http://schemas.microsoft.com/office/powerpoint/2010/main" val="1086658026"/>
+        <p14:creationId xmlns:p14="http://schemas.microsoft.com/office/powerpoint/2010/main" val="2849647762"/>
       </p:ext>
     </p:extLst>
   </p:cSld>
